--- a/ppt/Hadoop_2.4.1_YARN_source_code_read.pptx
+++ b/ppt/Hadoop_2.4.1_YARN_source_code_read.pptx
@@ -5,7 +5,7 @@
     <p:sldMasterId id="2147483648" r:id="rId1"/>
   </p:sldMasterIdLst>
   <p:notesMasterIdLst>
-    <p:notesMasterId r:id="rId66"/>
+    <p:notesMasterId r:id="rId67"/>
   </p:notesMasterIdLst>
   <p:sldIdLst>
     <p:sldId id="329" r:id="rId2"/>
@@ -52,26 +52,27 @@
     <p:sldId id="287" r:id="rId43"/>
     <p:sldId id="288" r:id="rId44"/>
     <p:sldId id="305" r:id="rId45"/>
-    <p:sldId id="300" r:id="rId46"/>
-    <p:sldId id="326" r:id="rId47"/>
-    <p:sldId id="278" r:id="rId48"/>
-    <p:sldId id="279" r:id="rId49"/>
-    <p:sldId id="299" r:id="rId50"/>
-    <p:sldId id="289" r:id="rId51"/>
-    <p:sldId id="304" r:id="rId52"/>
-    <p:sldId id="290" r:id="rId53"/>
-    <p:sldId id="302" r:id="rId54"/>
-    <p:sldId id="301" r:id="rId55"/>
-    <p:sldId id="327" r:id="rId56"/>
-    <p:sldId id="280" r:id="rId57"/>
-    <p:sldId id="281" r:id="rId58"/>
-    <p:sldId id="291" r:id="rId59"/>
-    <p:sldId id="292" r:id="rId60"/>
-    <p:sldId id="334" r:id="rId61"/>
-    <p:sldId id="309" r:id="rId62"/>
-    <p:sldId id="310" r:id="rId63"/>
-    <p:sldId id="335" r:id="rId64"/>
-    <p:sldId id="294" r:id="rId65"/>
+    <p:sldId id="353" r:id="rId46"/>
+    <p:sldId id="300" r:id="rId47"/>
+    <p:sldId id="326" r:id="rId48"/>
+    <p:sldId id="278" r:id="rId49"/>
+    <p:sldId id="279" r:id="rId50"/>
+    <p:sldId id="299" r:id="rId51"/>
+    <p:sldId id="289" r:id="rId52"/>
+    <p:sldId id="304" r:id="rId53"/>
+    <p:sldId id="290" r:id="rId54"/>
+    <p:sldId id="302" r:id="rId55"/>
+    <p:sldId id="301" r:id="rId56"/>
+    <p:sldId id="327" r:id="rId57"/>
+    <p:sldId id="280" r:id="rId58"/>
+    <p:sldId id="281" r:id="rId59"/>
+    <p:sldId id="291" r:id="rId60"/>
+    <p:sldId id="292" r:id="rId61"/>
+    <p:sldId id="334" r:id="rId62"/>
+    <p:sldId id="309" r:id="rId63"/>
+    <p:sldId id="310" r:id="rId64"/>
+    <p:sldId id="335" r:id="rId65"/>
+    <p:sldId id="294" r:id="rId66"/>
   </p:sldIdLst>
   <p:sldSz cx="12192000" cy="6858000"/>
   <p:notesSz cx="6858000" cy="9144000"/>
@@ -1134,7 +1135,7 @@
           <a:p>
             <a:fld id="{5170FFBD-E979-4D9D-8EE5-34AFEEC3AF35}" type="slidenum">
               <a:rPr lang="zh-CN" altLang="en-US" smtClean="0"/>
-              <a:t>47</a:t>
+              <a:t>48</a:t>
             </a:fld>
             <a:endParaRPr lang="zh-CN" altLang="en-US"/>
           </a:p>
@@ -19182,14 +19183,23 @@
         </p:spPr>
         <p:txBody>
           <a:bodyPr>
-            <a:normAutofit lnSpcReduction="10000"/>
+            <a:normAutofit fontScale="92500" lnSpcReduction="10000"/>
           </a:bodyPr>
           <a:lstStyle/>
           <a:p>
             <a:r>
               <a:rPr lang="en-US" altLang="zh-CN" dirty="0" smtClean="0"/>
-              <a:t>1. AM</a:t>
-            </a:r>
+              <a:t>1. </a:t>
+            </a:r>
+            <a:r>
+              <a:rPr lang="en-US" altLang="zh-CN" dirty="0" smtClean="0"/>
+              <a:t>AM</a:t>
+            </a:r>
+            <a:r>
+              <a:rPr lang="zh-CN" altLang="en-US" dirty="0" smtClean="0"/>
+              <a:t>心跳</a:t>
+            </a:r>
+            <a:endParaRPr lang="en-US" altLang="zh-CN" dirty="0" smtClean="0"/>
           </a:p>
           <a:p>
             <a:pPr lvl="1"/>
@@ -19273,7 +19283,22 @@
             </a:r>
             <a:r>
               <a:rPr lang="zh-CN" altLang="en-US" dirty="0" smtClean="0"/>
-              <a:t>发心跳时获取</a:t>
+              <a:t>发心跳时</a:t>
+            </a:r>
+            <a:r>
+              <a:rPr lang="zh-CN" altLang="en-US" dirty="0" smtClean="0"/>
+              <a:t>获取</a:t>
+            </a:r>
+            <a:endParaRPr lang="en-US" altLang="zh-CN" dirty="0" smtClean="0"/>
+          </a:p>
+          <a:p>
+            <a:r>
+              <a:rPr lang="en-US" altLang="zh-CN" dirty="0" smtClean="0"/>
+              <a:t>3. AM</a:t>
+            </a:r>
+            <a:r>
+              <a:rPr lang="zh-CN" altLang="en-US" dirty="0" smtClean="0"/>
+              <a:t>心跳</a:t>
             </a:r>
             <a:endParaRPr lang="en-US" altLang="zh-CN" dirty="0" smtClean="0"/>
           </a:p>
@@ -19329,7 +19354,7 @@
         <p:spPr>
           <a:xfrm>
             <a:off x="3753135" y="5995747"/>
-            <a:ext cx="7762061" cy="646331"/>
+            <a:ext cx="7893508" cy="646331"/>
           </a:xfrm>
           <a:prstGeom prst="rect">
             <a:avLst/>
@@ -19364,16 +19389,12 @@
               <a:t>RM</a:t>
             </a:r>
             <a:r>
-              <a:rPr lang="zh-CN" altLang="en-US" dirty="0" smtClean="0"/>
-              <a:t>里面给</a:t>
-            </a:r>
-            <a:r>
-              <a:rPr lang="en-US" altLang="zh-CN" dirty="0" smtClean="0"/>
-              <a:t>AM</a:t>
-            </a:r>
-            <a:r>
-              <a:rPr lang="zh-CN" altLang="en-US" dirty="0" smtClean="0"/>
-              <a:t>一些资源，并记录到对应数据结构。</a:t>
+              <a:rPr lang="zh-CN" altLang="en-US" smtClean="0"/>
+              <a:t>里的调度器一些</a:t>
+            </a:r>
+            <a:r>
+              <a:rPr lang="zh-CN" altLang="en-US" dirty="0" smtClean="0"/>
+              <a:t>资源，并记录到对应数据结构。</a:t>
             </a:r>
             <a:endParaRPr lang="en-US" altLang="zh-CN" dirty="0" smtClean="0"/>
           </a:p>
@@ -19418,8 +19439,8 @@
         </p:nvCxnSpPr>
         <p:spPr>
           <a:xfrm>
-            <a:off x="3507475" y="5104263"/>
-            <a:ext cx="491319" cy="891484"/>
+            <a:off x="2715904" y="4954137"/>
+            <a:ext cx="1282890" cy="1041610"/>
           </a:xfrm>
           <a:prstGeom prst="straightConnector1">
             <a:avLst/>
@@ -20114,7 +20135,7 @@
               <a:t>和</a:t>
             </a:r>
             <a:r>
-              <a:rPr lang="en-US" altLang="zh-CN" smtClean="0"/>
+              <a:rPr lang="en-US" altLang="zh-CN" dirty="0" err="1" smtClean="0"/>
               <a:t>appAttempt</a:t>
             </a:r>
             <a:endParaRPr lang="zh-CN" altLang="en-US" dirty="0"/>
@@ -20354,7 +20375,7 @@
           <a:p>
             <a:r>
               <a:rPr lang="en-US" altLang="zh-CN" dirty="0" err="1" smtClean="0"/>
-              <a:t>NodeManager</a:t>
+              <a:t>RMStateStore</a:t>
             </a:r>
             <a:endParaRPr lang="zh-CN" altLang="en-US" dirty="0"/>
           </a:p>
@@ -20362,12 +20383,12 @@
       </p:sp>
       <p:sp>
         <p:nvSpPr>
-          <p:cNvPr id="3" name="文本占位符 2"/>
+          <p:cNvPr id="3" name="内容占位符 2"/>
           <p:cNvSpPr>
             <a:spLocks noGrp="1"/>
           </p:cNvSpPr>
           <p:nvPr>
-            <p:ph type="body" idx="1"/>
+            <p:ph idx="1"/>
           </p:nvPr>
         </p:nvSpPr>
         <p:spPr/>
@@ -20376,17 +20397,164 @@
           <a:lstStyle/>
           <a:p>
             <a:r>
+              <a:rPr lang="zh-CN" altLang="en-US" dirty="0" smtClean="0"/>
+              <a:t>存储和更新状态</a:t>
+            </a:r>
+            <a:endParaRPr lang="en-US" altLang="zh-CN" dirty="0" smtClean="0"/>
+          </a:p>
+          <a:p>
+            <a:r>
               <a:rPr lang="en-US" altLang="zh-CN" dirty="0" err="1" smtClean="0"/>
-              <a:t>loull</a:t>
+              <a:t>ApplicationState</a:t>
+            </a:r>
+            <a:endParaRPr lang="en-US" altLang="zh-CN" dirty="0"/>
+          </a:p>
+          <a:p>
+            <a:r>
+              <a:rPr lang="en-US" altLang="zh-CN" dirty="0" err="1" smtClean="0"/>
+              <a:t>ApplicationAttemptState</a:t>
+            </a:r>
+            <a:endParaRPr lang="en-US" altLang="zh-CN" dirty="0" smtClean="0"/>
+          </a:p>
+          <a:p>
+            <a:r>
+              <a:rPr lang="zh-CN" altLang="en-US" dirty="0" smtClean="0"/>
+              <a:t>具体怎么存储由子类实现</a:t>
             </a:r>
             <a:endParaRPr lang="zh-CN" altLang="en-US" dirty="0"/>
+          </a:p>
+        </p:txBody>
+      </p:sp>
+      <p:pic>
+        <p:nvPicPr>
+          <p:cNvPr id="1026" name="Picture 2" descr="https://github.com/loull521/hadoop-yarn-src-read/raw/master/raw/pictures/RMStateStore/RMStateStore.png"/>
+          <p:cNvPicPr>
+            <a:picLocks noChangeAspect="1" noChangeArrowheads="1"/>
+          </p:cNvPicPr>
+          <p:nvPr/>
+        </p:nvPicPr>
+        <p:blipFill>
+          <a:blip r:embed="rId2">
+            <a:extLst>
+              <a:ext uri="{28A0092B-C50C-407E-A947-70E740481C1C}">
+                <a14:useLocalDpi xmlns:a14="http://schemas.microsoft.com/office/drawing/2010/main" val="0"/>
+              </a:ext>
+            </a:extLst>
+          </a:blip>
+          <a:srcRect/>
+          <a:stretch>
+            <a:fillRect/>
+          </a:stretch>
+        </p:blipFill>
+        <p:spPr bwMode="auto">
+          <a:xfrm>
+            <a:off x="8001000" y="561703"/>
+            <a:ext cx="3352800" cy="3876676"/>
+          </a:xfrm>
+          <a:prstGeom prst="rect">
+            <a:avLst/>
+          </a:prstGeom>
+          <a:noFill/>
+          <a:extLst>
+            <a:ext uri="{909E8E84-426E-40DD-AFC4-6F175D3DCCD1}">
+              <a14:hiddenFill xmlns:a14="http://schemas.microsoft.com/office/drawing/2010/main">
+                <a:solidFill>
+                  <a:srgbClr val="FFFFFF"/>
+                </a:solidFill>
+              </a14:hiddenFill>
+            </a:ext>
+          </a:extLst>
+        </p:spPr>
+      </p:pic>
+      <p:pic>
+        <p:nvPicPr>
+          <p:cNvPr id="1028" name="Picture 4" descr="https://github.com/loull521/hadoop-yarn-src-read/raw/master/raw/pictures/RMStateStore/RMStateStore_inherit.jpg"/>
+          <p:cNvPicPr>
+            <a:picLocks noChangeAspect="1" noChangeArrowheads="1"/>
+          </p:cNvPicPr>
+          <p:nvPr/>
+        </p:nvPicPr>
+        <p:blipFill>
+          <a:blip r:embed="rId3">
+            <a:extLst>
+              <a:ext uri="{28A0092B-C50C-407E-A947-70E740481C1C}">
+                <a14:useLocalDpi xmlns:a14="http://schemas.microsoft.com/office/drawing/2010/main" val="0"/>
+              </a:ext>
+            </a:extLst>
+          </a:blip>
+          <a:srcRect/>
+          <a:stretch>
+            <a:fillRect/>
+          </a:stretch>
+        </p:blipFill>
+        <p:spPr bwMode="auto">
+          <a:xfrm>
+            <a:off x="837314" y="4029906"/>
+            <a:ext cx="7164572" cy="2132806"/>
+          </a:xfrm>
+          <a:prstGeom prst="rect">
+            <a:avLst/>
+          </a:prstGeom>
+          <a:noFill/>
+          <a:extLst>
+            <a:ext uri="{909E8E84-426E-40DD-AFC4-6F175D3DCCD1}">
+              <a14:hiddenFill xmlns:a14="http://schemas.microsoft.com/office/drawing/2010/main">
+                <a:solidFill>
+                  <a:srgbClr val="FFFFFF"/>
+                </a:solidFill>
+              </a14:hiddenFill>
+            </a:ext>
+          </a:extLst>
+        </p:spPr>
+      </p:pic>
+      <p:sp>
+        <p:nvSpPr>
+          <p:cNvPr id="4" name="矩形 3"/>
+          <p:cNvSpPr/>
+          <p:nvPr/>
+        </p:nvSpPr>
+        <p:spPr>
+          <a:xfrm>
+            <a:off x="8256896" y="2279176"/>
+            <a:ext cx="1992573" cy="423081"/>
+          </a:xfrm>
+          <a:prstGeom prst="rect">
+            <a:avLst/>
+          </a:prstGeom>
+          <a:noFill/>
+          <a:ln w="28575">
+            <a:solidFill>
+              <a:srgbClr val="FF0000"/>
+            </a:solidFill>
+          </a:ln>
+        </p:spPr>
+        <p:style>
+          <a:lnRef idx="2">
+            <a:schemeClr val="accent2"/>
+          </a:lnRef>
+          <a:fillRef idx="1">
+            <a:schemeClr val="lt1"/>
+          </a:fillRef>
+          <a:effectRef idx="0">
+            <a:schemeClr val="accent2"/>
+          </a:effectRef>
+          <a:fontRef idx="minor">
+            <a:schemeClr val="dk1"/>
+          </a:fontRef>
+        </p:style>
+        <p:txBody>
+          <a:bodyPr rtlCol="0" anchor="ctr"/>
+          <a:lstStyle/>
+          <a:p>
+            <a:pPr algn="ctr"/>
+            <a:endParaRPr lang="zh-CN" altLang="en-US"/>
           </a:p>
         </p:txBody>
       </p:sp>
     </p:spTree>
     <p:extLst>
       <p:ext uri="{BB962C8B-B14F-4D97-AF65-F5344CB8AC3E}">
-        <p14:creationId xmlns:p14="http://schemas.microsoft.com/office/powerpoint/2010/main" val="403501156"/>
+        <p14:creationId xmlns:p14="http://schemas.microsoft.com/office/powerpoint/2010/main" val="3118257794"/>
       </p:ext>
     </p:extLst>
   </p:cSld>
@@ -20445,6 +20613,89 @@
       </p:sp>
       <p:sp>
         <p:nvSpPr>
+          <p:cNvPr id="3" name="文本占位符 2"/>
+          <p:cNvSpPr>
+            <a:spLocks noGrp="1"/>
+          </p:cNvSpPr>
+          <p:nvPr>
+            <p:ph type="body" idx="1"/>
+          </p:nvPr>
+        </p:nvSpPr>
+        <p:spPr/>
+        <p:txBody>
+          <a:bodyPr/>
+          <a:lstStyle/>
+          <a:p>
+            <a:r>
+              <a:rPr lang="en-US" altLang="zh-CN" dirty="0" err="1" smtClean="0"/>
+              <a:t>loull</a:t>
+            </a:r>
+            <a:endParaRPr lang="zh-CN" altLang="en-US" dirty="0"/>
+          </a:p>
+        </p:txBody>
+      </p:sp>
+    </p:spTree>
+    <p:extLst>
+      <p:ext uri="{BB962C8B-B14F-4D97-AF65-F5344CB8AC3E}">
+        <p14:creationId xmlns:p14="http://schemas.microsoft.com/office/powerpoint/2010/main" val="403501156"/>
+      </p:ext>
+    </p:extLst>
+  </p:cSld>
+  <p:clrMapOvr>
+    <a:masterClrMapping/>
+  </p:clrMapOvr>
+  <p:timing>
+    <p:tnLst>
+      <p:par>
+        <p:cTn id="1" dur="indefinite" restart="never" nodeType="tmRoot"/>
+      </p:par>
+    </p:tnLst>
+  </p:timing>
+</p:sld>
+</file>
+
+<file path=ppt/slides/slide47.xml><?xml version="1.0" encoding="utf-8"?>
+<p:sld xmlns:a="http://schemas.openxmlformats.org/drawingml/2006/main" xmlns:r="http://schemas.openxmlformats.org/officeDocument/2006/relationships" xmlns:p="http://schemas.openxmlformats.org/presentationml/2006/main">
+  <p:cSld>
+    <p:spTree>
+      <p:nvGrpSpPr>
+        <p:cNvPr id="1" name=""/>
+        <p:cNvGrpSpPr/>
+        <p:nvPr/>
+      </p:nvGrpSpPr>
+      <p:grpSpPr>
+        <a:xfrm>
+          <a:off x="0" y="0"/>
+          <a:ext cx="0" cy="0"/>
+          <a:chOff x="0" y="0"/>
+          <a:chExt cx="0" cy="0"/>
+        </a:xfrm>
+      </p:grpSpPr>
+      <p:sp>
+        <p:nvSpPr>
+          <p:cNvPr id="2" name="标题 1"/>
+          <p:cNvSpPr>
+            <a:spLocks noGrp="1"/>
+          </p:cNvSpPr>
+          <p:nvPr>
+            <p:ph type="title"/>
+          </p:nvPr>
+        </p:nvSpPr>
+        <p:spPr/>
+        <p:txBody>
+          <a:bodyPr/>
+          <a:lstStyle/>
+          <a:p>
+            <a:r>
+              <a:rPr lang="en-US" altLang="zh-CN" dirty="0" err="1" smtClean="0"/>
+              <a:t>NodeManager</a:t>
+            </a:r>
+            <a:endParaRPr lang="zh-CN" altLang="en-US" dirty="0"/>
+          </a:p>
+        </p:txBody>
+      </p:sp>
+      <p:sp>
+        <p:nvSpPr>
           <p:cNvPr id="3" name="内容占位符 2"/>
           <p:cNvSpPr>
             <a:spLocks noGrp="1"/>
@@ -20548,7 +20799,7 @@
 </p:sld>
 </file>
 
-<file path=ppt/slides/slide47.xml><?xml version="1.0" encoding="utf-8"?>
+<file path=ppt/slides/slide48.xml><?xml version="1.0" encoding="utf-8"?>
 <p:sld xmlns:a="http://schemas.openxmlformats.org/drawingml/2006/main" xmlns:r="http://schemas.openxmlformats.org/officeDocument/2006/relationships" xmlns:p="http://schemas.openxmlformats.org/presentationml/2006/main">
   <p:cSld>
     <p:spTree>
@@ -20957,7 +21208,7 @@
 </p:sld>
 </file>
 
-<file path=ppt/slides/slide48.xml><?xml version="1.0" encoding="utf-8"?>
+<file path=ppt/slides/slide49.xml><?xml version="1.0" encoding="utf-8"?>
 <p:sld xmlns:a="http://schemas.openxmlformats.org/drawingml/2006/main" xmlns:r="http://schemas.openxmlformats.org/officeDocument/2006/relationships" xmlns:p="http://schemas.openxmlformats.org/presentationml/2006/main">
   <p:cSld>
     <p:spTree>
@@ -21284,314 +21535,6 @@
 </p:sld>
 </file>
 
-<file path=ppt/slides/slide49.xml><?xml version="1.0" encoding="utf-8"?>
-<p:sld xmlns:a="http://schemas.openxmlformats.org/drawingml/2006/main" xmlns:r="http://schemas.openxmlformats.org/officeDocument/2006/relationships" xmlns:p="http://schemas.openxmlformats.org/presentationml/2006/main">
-  <p:cSld>
-    <p:spTree>
-      <p:nvGrpSpPr>
-        <p:cNvPr id="1" name=""/>
-        <p:cNvGrpSpPr/>
-        <p:nvPr/>
-      </p:nvGrpSpPr>
-      <p:grpSpPr>
-        <a:xfrm>
-          <a:off x="0" y="0"/>
-          <a:ext cx="0" cy="0"/>
-          <a:chOff x="0" y="0"/>
-          <a:chExt cx="0" cy="0"/>
-        </a:xfrm>
-      </p:grpSpPr>
-      <p:sp>
-        <p:nvSpPr>
-          <p:cNvPr id="2" name="标题 1"/>
-          <p:cNvSpPr>
-            <a:spLocks noGrp="1"/>
-          </p:cNvSpPr>
-          <p:nvPr>
-            <p:ph type="title"/>
-          </p:nvPr>
-        </p:nvSpPr>
-        <p:spPr/>
-        <p:txBody>
-          <a:bodyPr/>
-          <a:lstStyle/>
-          <a:p>
-            <a:r>
-              <a:rPr lang="zh-CN" altLang="en-US" dirty="0" smtClean="0"/>
-              <a:t>分布式缓存 </a:t>
-            </a:r>
-            <a:r>
-              <a:rPr lang="en-US" altLang="zh-CN" dirty="0" err="1" smtClean="0"/>
-              <a:t>DistributedCache</a:t>
-            </a:r>
-            <a:endParaRPr lang="zh-CN" altLang="en-US" dirty="0"/>
-          </a:p>
-        </p:txBody>
-      </p:sp>
-      <p:sp>
-        <p:nvSpPr>
-          <p:cNvPr id="3" name="内容占位符 2"/>
-          <p:cNvSpPr>
-            <a:spLocks noGrp="1"/>
-          </p:cNvSpPr>
-          <p:nvPr>
-            <p:ph idx="1"/>
-          </p:nvPr>
-        </p:nvSpPr>
-        <p:spPr/>
-        <p:txBody>
-          <a:bodyPr/>
-          <a:lstStyle/>
-          <a:p>
-            <a:r>
-              <a:rPr lang="zh-CN" altLang="en-US" dirty="0"/>
-              <a:t>三</a:t>
-            </a:r>
-            <a:r>
-              <a:rPr lang="zh-CN" altLang="en-US" dirty="0" smtClean="0"/>
-              <a:t>类资源</a:t>
-            </a:r>
-            <a:endParaRPr lang="en-US" altLang="zh-CN" dirty="0" smtClean="0"/>
-          </a:p>
-          <a:p>
-            <a:pPr lvl="1"/>
-            <a:r>
-              <a:rPr lang="en-US" altLang="zh-CN" dirty="0" smtClean="0"/>
-              <a:t>PUBLIC: ${</a:t>
-            </a:r>
-            <a:r>
-              <a:rPr lang="en-US" altLang="zh-CN" dirty="0" err="1" smtClean="0"/>
-              <a:t>yarn.nodemanager.local-dirs</a:t>
-            </a:r>
-            <a:r>
-              <a:rPr lang="en-US" altLang="zh-CN" dirty="0" smtClean="0"/>
-              <a:t>}/</a:t>
-            </a:r>
-            <a:r>
-              <a:rPr lang="en-US" altLang="zh-CN" dirty="0" err="1" smtClean="0">
-                <a:solidFill>
-                  <a:srgbClr val="0070C0"/>
-                </a:solidFill>
-              </a:rPr>
-              <a:t>filecache</a:t>
-            </a:r>
-            <a:endParaRPr lang="en-US" altLang="zh-CN" dirty="0" smtClean="0">
-              <a:solidFill>
-                <a:srgbClr val="0070C0"/>
-              </a:solidFill>
-            </a:endParaRPr>
-          </a:p>
-          <a:p>
-            <a:pPr lvl="1"/>
-            <a:r>
-              <a:rPr lang="en-US" altLang="zh-CN" dirty="0" smtClean="0"/>
-              <a:t>PRIVATE: </a:t>
-            </a:r>
-            <a:r>
-              <a:rPr lang="en-US" altLang="zh-CN" dirty="0"/>
-              <a:t>${</a:t>
-            </a:r>
-            <a:r>
-              <a:rPr lang="en-US" altLang="zh-CN" dirty="0" err="1"/>
-              <a:t>yarn.nodemanager.local-dirs</a:t>
-            </a:r>
-            <a:r>
-              <a:rPr lang="en-US" altLang="zh-CN" dirty="0"/>
-              <a:t>}/</a:t>
-            </a:r>
-            <a:r>
-              <a:rPr lang="en-US" altLang="zh-CN" dirty="0" err="1" smtClean="0"/>
-              <a:t>filecache</a:t>
-            </a:r>
-            <a:r>
-              <a:rPr lang="en-US" altLang="zh-CN" dirty="0" smtClean="0">
-                <a:solidFill>
-                  <a:srgbClr val="00B050"/>
-                </a:solidFill>
-              </a:rPr>
-              <a:t>/${user}/</a:t>
-            </a:r>
-            <a:r>
-              <a:rPr lang="en-US" altLang="zh-CN" dirty="0" err="1" smtClean="0">
-                <a:solidFill>
-                  <a:srgbClr val="0070C0"/>
-                </a:solidFill>
-              </a:rPr>
-              <a:t>filecache</a:t>
-            </a:r>
-            <a:endParaRPr lang="en-US" altLang="zh-CN" dirty="0" smtClean="0">
-              <a:solidFill>
-                <a:srgbClr val="0070C0"/>
-              </a:solidFill>
-            </a:endParaRPr>
-          </a:p>
-          <a:p>
-            <a:pPr lvl="1"/>
-            <a:r>
-              <a:rPr lang="en-US" altLang="zh-CN" dirty="0" smtClean="0"/>
-              <a:t>APPLICATION: </a:t>
-            </a:r>
-            <a:r>
-              <a:rPr lang="en-US" altLang="zh-CN" dirty="0"/>
-              <a:t>${</a:t>
-            </a:r>
-            <a:r>
-              <a:rPr lang="en-US" altLang="zh-CN" dirty="0" err="1"/>
-              <a:t>yarn.nodemanager.local-dirs</a:t>
-            </a:r>
-            <a:r>
-              <a:rPr lang="en-US" altLang="zh-CN" dirty="0"/>
-              <a:t>}/</a:t>
-            </a:r>
-            <a:r>
-              <a:rPr lang="en-US" altLang="zh-CN" dirty="0" err="1" smtClean="0"/>
-              <a:t>filecache</a:t>
-            </a:r>
-            <a:r>
-              <a:rPr lang="en-US" altLang="zh-CN" dirty="0">
-                <a:solidFill>
-                  <a:srgbClr val="00B050"/>
-                </a:solidFill>
-              </a:rPr>
-              <a:t>/${user}/</a:t>
-            </a:r>
-            <a:r>
-              <a:rPr lang="en-US" altLang="zh-CN" dirty="0" err="1" smtClean="0">
-                <a:solidFill>
-                  <a:srgbClr val="00B050"/>
-                </a:solidFill>
-              </a:rPr>
-              <a:t>filecache</a:t>
-            </a:r>
-            <a:r>
-              <a:rPr lang="en-US" altLang="zh-CN" dirty="0" smtClean="0">
-                <a:solidFill>
-                  <a:srgbClr val="00B050"/>
-                </a:solidFill>
-              </a:rPr>
-              <a:t>/{</a:t>
-            </a:r>
-            <a:r>
-              <a:rPr lang="en-US" altLang="zh-CN" dirty="0" err="1" smtClean="0">
-                <a:solidFill>
-                  <a:srgbClr val="00B050"/>
-                </a:solidFill>
-              </a:rPr>
-              <a:t>appcache</a:t>
-            </a:r>
-            <a:r>
-              <a:rPr lang="en-US" altLang="zh-CN" dirty="0" smtClean="0">
-                <a:solidFill>
-                  <a:srgbClr val="00B050"/>
-                </a:solidFill>
-              </a:rPr>
-              <a:t>}/${</a:t>
-            </a:r>
-            <a:r>
-              <a:rPr lang="en-US" altLang="zh-CN" dirty="0" err="1" smtClean="0">
-                <a:solidFill>
-                  <a:srgbClr val="00B050"/>
-                </a:solidFill>
-              </a:rPr>
-              <a:t>appid</a:t>
-            </a:r>
-            <a:r>
-              <a:rPr lang="en-US" altLang="zh-CN" dirty="0" smtClean="0">
-                <a:solidFill>
-                  <a:srgbClr val="00B050"/>
-                </a:solidFill>
-              </a:rPr>
-              <a:t>}/</a:t>
-            </a:r>
-            <a:r>
-              <a:rPr lang="en-US" altLang="zh-CN" dirty="0" err="1" smtClean="0">
-                <a:solidFill>
-                  <a:srgbClr val="0070C0"/>
-                </a:solidFill>
-              </a:rPr>
-              <a:t>filecache</a:t>
-            </a:r>
-            <a:endParaRPr lang="en-US" altLang="zh-CN" dirty="0">
-              <a:solidFill>
-                <a:srgbClr val="0070C0"/>
-              </a:solidFill>
-            </a:endParaRPr>
-          </a:p>
-          <a:p>
-            <a:endParaRPr lang="en-US" altLang="zh-CN" dirty="0" smtClean="0"/>
-          </a:p>
-          <a:p>
-            <a:r>
-              <a:rPr lang="en-US" altLang="zh-CN" dirty="0" smtClean="0"/>
-              <a:t>PUBLIC: </a:t>
-            </a:r>
-            <a:r>
-              <a:rPr lang="en-US" altLang="zh-CN" dirty="0" err="1" smtClean="0"/>
-              <a:t>ResourceLocalizationService</a:t>
-            </a:r>
-            <a:r>
-              <a:rPr lang="zh-CN" altLang="en-US" dirty="0" smtClean="0"/>
-              <a:t>的公用线程 </a:t>
-            </a:r>
-            <a:r>
-              <a:rPr lang="en-US" altLang="zh-CN" dirty="0" err="1" smtClean="0"/>
-              <a:t>PublicLocalizer</a:t>
-            </a:r>
-            <a:r>
-              <a:rPr lang="en-US" altLang="zh-CN" dirty="0" smtClean="0"/>
-              <a:t> </a:t>
-            </a:r>
-            <a:r>
-              <a:rPr lang="zh-CN" altLang="en-US" dirty="0" smtClean="0"/>
-              <a:t>下载。</a:t>
-            </a:r>
-            <a:endParaRPr lang="en-US" altLang="zh-CN" dirty="0" smtClean="0"/>
-          </a:p>
-          <a:p>
-            <a:r>
-              <a:rPr lang="en-US" altLang="zh-CN" dirty="0" smtClean="0"/>
-              <a:t>PAIVATE/APPLICATION: </a:t>
-            </a:r>
-            <a:r>
-              <a:rPr lang="en-US" altLang="zh-CN" dirty="0" err="1" smtClean="0"/>
-              <a:t>ResourceLocalizationService</a:t>
-            </a:r>
-            <a:r>
-              <a:rPr lang="zh-CN" altLang="en-US" dirty="0" smtClean="0"/>
-              <a:t>的</a:t>
-            </a:r>
-            <a:r>
-              <a:rPr lang="en-US" altLang="zh-CN" dirty="0" err="1" smtClean="0"/>
-              <a:t>LocalizerRunner</a:t>
-            </a:r>
-            <a:r>
-              <a:rPr lang="zh-CN" altLang="en-US" dirty="0" smtClean="0"/>
-              <a:t>下载。</a:t>
-            </a:r>
-            <a:endParaRPr lang="en-US" altLang="zh-CN" dirty="0" smtClean="0"/>
-          </a:p>
-        </p:txBody>
-      </p:sp>
-    </p:spTree>
-    <p:extLst>
-      <p:ext uri="{BB962C8B-B14F-4D97-AF65-F5344CB8AC3E}">
-        <p14:creationId xmlns:p14="http://schemas.microsoft.com/office/powerpoint/2010/main" val="2215754147"/>
-      </p:ext>
-    </p:extLst>
-  </p:cSld>
-  <p:clrMapOvr>
-    <a:masterClrMapping/>
-  </p:clrMapOvr>
-  <p:timing>
-    <p:tnLst>
-      <p:par>
-        <p:cTn id="1" dur="indefinite" restart="never" nodeType="tmRoot"/>
-      </p:par>
-    </p:tnLst>
-  </p:timing>
-</p:sld>
-</file>
-
 <file path=ppt/slides/slide5.xml><?xml version="1.0" encoding="utf-8"?>
 <p:sld xmlns:a="http://schemas.openxmlformats.org/drawingml/2006/main" xmlns:r="http://schemas.openxmlformats.org/officeDocument/2006/relationships" xmlns:p="http://schemas.openxmlformats.org/presentationml/2006/main">
   <p:cSld>
@@ -21858,6 +21801,314 @@
 </file>
 
 <file path=ppt/slides/slide50.xml><?xml version="1.0" encoding="utf-8"?>
+<p:sld xmlns:a="http://schemas.openxmlformats.org/drawingml/2006/main" xmlns:r="http://schemas.openxmlformats.org/officeDocument/2006/relationships" xmlns:p="http://schemas.openxmlformats.org/presentationml/2006/main">
+  <p:cSld>
+    <p:spTree>
+      <p:nvGrpSpPr>
+        <p:cNvPr id="1" name=""/>
+        <p:cNvGrpSpPr/>
+        <p:nvPr/>
+      </p:nvGrpSpPr>
+      <p:grpSpPr>
+        <a:xfrm>
+          <a:off x="0" y="0"/>
+          <a:ext cx="0" cy="0"/>
+          <a:chOff x="0" y="0"/>
+          <a:chExt cx="0" cy="0"/>
+        </a:xfrm>
+      </p:grpSpPr>
+      <p:sp>
+        <p:nvSpPr>
+          <p:cNvPr id="2" name="标题 1"/>
+          <p:cNvSpPr>
+            <a:spLocks noGrp="1"/>
+          </p:cNvSpPr>
+          <p:nvPr>
+            <p:ph type="title"/>
+          </p:nvPr>
+        </p:nvSpPr>
+        <p:spPr/>
+        <p:txBody>
+          <a:bodyPr/>
+          <a:lstStyle/>
+          <a:p>
+            <a:r>
+              <a:rPr lang="zh-CN" altLang="en-US" dirty="0" smtClean="0"/>
+              <a:t>分布式缓存 </a:t>
+            </a:r>
+            <a:r>
+              <a:rPr lang="en-US" altLang="zh-CN" dirty="0" err="1" smtClean="0"/>
+              <a:t>DistributedCache</a:t>
+            </a:r>
+            <a:endParaRPr lang="zh-CN" altLang="en-US" dirty="0"/>
+          </a:p>
+        </p:txBody>
+      </p:sp>
+      <p:sp>
+        <p:nvSpPr>
+          <p:cNvPr id="3" name="内容占位符 2"/>
+          <p:cNvSpPr>
+            <a:spLocks noGrp="1"/>
+          </p:cNvSpPr>
+          <p:nvPr>
+            <p:ph idx="1"/>
+          </p:nvPr>
+        </p:nvSpPr>
+        <p:spPr/>
+        <p:txBody>
+          <a:bodyPr/>
+          <a:lstStyle/>
+          <a:p>
+            <a:r>
+              <a:rPr lang="zh-CN" altLang="en-US" dirty="0"/>
+              <a:t>三</a:t>
+            </a:r>
+            <a:r>
+              <a:rPr lang="zh-CN" altLang="en-US" dirty="0" smtClean="0"/>
+              <a:t>类资源</a:t>
+            </a:r>
+            <a:endParaRPr lang="en-US" altLang="zh-CN" dirty="0" smtClean="0"/>
+          </a:p>
+          <a:p>
+            <a:pPr lvl="1"/>
+            <a:r>
+              <a:rPr lang="en-US" altLang="zh-CN" dirty="0" smtClean="0"/>
+              <a:t>PUBLIC: ${</a:t>
+            </a:r>
+            <a:r>
+              <a:rPr lang="en-US" altLang="zh-CN" dirty="0" err="1" smtClean="0"/>
+              <a:t>yarn.nodemanager.local-dirs</a:t>
+            </a:r>
+            <a:r>
+              <a:rPr lang="en-US" altLang="zh-CN" dirty="0" smtClean="0"/>
+              <a:t>}/</a:t>
+            </a:r>
+            <a:r>
+              <a:rPr lang="en-US" altLang="zh-CN" dirty="0" err="1" smtClean="0">
+                <a:solidFill>
+                  <a:srgbClr val="0070C0"/>
+                </a:solidFill>
+              </a:rPr>
+              <a:t>filecache</a:t>
+            </a:r>
+            <a:endParaRPr lang="en-US" altLang="zh-CN" dirty="0" smtClean="0">
+              <a:solidFill>
+                <a:srgbClr val="0070C0"/>
+              </a:solidFill>
+            </a:endParaRPr>
+          </a:p>
+          <a:p>
+            <a:pPr lvl="1"/>
+            <a:r>
+              <a:rPr lang="en-US" altLang="zh-CN" dirty="0" smtClean="0"/>
+              <a:t>PRIVATE: </a:t>
+            </a:r>
+            <a:r>
+              <a:rPr lang="en-US" altLang="zh-CN" dirty="0"/>
+              <a:t>${</a:t>
+            </a:r>
+            <a:r>
+              <a:rPr lang="en-US" altLang="zh-CN" dirty="0" err="1"/>
+              <a:t>yarn.nodemanager.local-dirs</a:t>
+            </a:r>
+            <a:r>
+              <a:rPr lang="en-US" altLang="zh-CN" dirty="0"/>
+              <a:t>}/</a:t>
+            </a:r>
+            <a:r>
+              <a:rPr lang="en-US" altLang="zh-CN" dirty="0" err="1" smtClean="0"/>
+              <a:t>filecache</a:t>
+            </a:r>
+            <a:r>
+              <a:rPr lang="en-US" altLang="zh-CN" dirty="0" smtClean="0">
+                <a:solidFill>
+                  <a:srgbClr val="00B050"/>
+                </a:solidFill>
+              </a:rPr>
+              <a:t>/${user}/</a:t>
+            </a:r>
+            <a:r>
+              <a:rPr lang="en-US" altLang="zh-CN" dirty="0" err="1" smtClean="0">
+                <a:solidFill>
+                  <a:srgbClr val="0070C0"/>
+                </a:solidFill>
+              </a:rPr>
+              <a:t>filecache</a:t>
+            </a:r>
+            <a:endParaRPr lang="en-US" altLang="zh-CN" dirty="0" smtClean="0">
+              <a:solidFill>
+                <a:srgbClr val="0070C0"/>
+              </a:solidFill>
+            </a:endParaRPr>
+          </a:p>
+          <a:p>
+            <a:pPr lvl="1"/>
+            <a:r>
+              <a:rPr lang="en-US" altLang="zh-CN" dirty="0" smtClean="0"/>
+              <a:t>APPLICATION: </a:t>
+            </a:r>
+            <a:r>
+              <a:rPr lang="en-US" altLang="zh-CN" dirty="0"/>
+              <a:t>${</a:t>
+            </a:r>
+            <a:r>
+              <a:rPr lang="en-US" altLang="zh-CN" dirty="0" err="1"/>
+              <a:t>yarn.nodemanager.local-dirs</a:t>
+            </a:r>
+            <a:r>
+              <a:rPr lang="en-US" altLang="zh-CN" dirty="0"/>
+              <a:t>}/</a:t>
+            </a:r>
+            <a:r>
+              <a:rPr lang="en-US" altLang="zh-CN" dirty="0" err="1" smtClean="0"/>
+              <a:t>filecache</a:t>
+            </a:r>
+            <a:r>
+              <a:rPr lang="en-US" altLang="zh-CN" dirty="0">
+                <a:solidFill>
+                  <a:srgbClr val="00B050"/>
+                </a:solidFill>
+              </a:rPr>
+              <a:t>/${user}/</a:t>
+            </a:r>
+            <a:r>
+              <a:rPr lang="en-US" altLang="zh-CN" dirty="0" err="1" smtClean="0">
+                <a:solidFill>
+                  <a:srgbClr val="00B050"/>
+                </a:solidFill>
+              </a:rPr>
+              <a:t>filecache</a:t>
+            </a:r>
+            <a:r>
+              <a:rPr lang="en-US" altLang="zh-CN" dirty="0" smtClean="0">
+                <a:solidFill>
+                  <a:srgbClr val="00B050"/>
+                </a:solidFill>
+              </a:rPr>
+              <a:t>/{</a:t>
+            </a:r>
+            <a:r>
+              <a:rPr lang="en-US" altLang="zh-CN" dirty="0" err="1" smtClean="0">
+                <a:solidFill>
+                  <a:srgbClr val="00B050"/>
+                </a:solidFill>
+              </a:rPr>
+              <a:t>appcache</a:t>
+            </a:r>
+            <a:r>
+              <a:rPr lang="en-US" altLang="zh-CN" dirty="0" smtClean="0">
+                <a:solidFill>
+                  <a:srgbClr val="00B050"/>
+                </a:solidFill>
+              </a:rPr>
+              <a:t>}/${</a:t>
+            </a:r>
+            <a:r>
+              <a:rPr lang="en-US" altLang="zh-CN" dirty="0" err="1" smtClean="0">
+                <a:solidFill>
+                  <a:srgbClr val="00B050"/>
+                </a:solidFill>
+              </a:rPr>
+              <a:t>appid</a:t>
+            </a:r>
+            <a:r>
+              <a:rPr lang="en-US" altLang="zh-CN" dirty="0" smtClean="0">
+                <a:solidFill>
+                  <a:srgbClr val="00B050"/>
+                </a:solidFill>
+              </a:rPr>
+              <a:t>}/</a:t>
+            </a:r>
+            <a:r>
+              <a:rPr lang="en-US" altLang="zh-CN" dirty="0" err="1" smtClean="0">
+                <a:solidFill>
+                  <a:srgbClr val="0070C0"/>
+                </a:solidFill>
+              </a:rPr>
+              <a:t>filecache</a:t>
+            </a:r>
+            <a:endParaRPr lang="en-US" altLang="zh-CN" dirty="0">
+              <a:solidFill>
+                <a:srgbClr val="0070C0"/>
+              </a:solidFill>
+            </a:endParaRPr>
+          </a:p>
+          <a:p>
+            <a:endParaRPr lang="en-US" altLang="zh-CN" dirty="0" smtClean="0"/>
+          </a:p>
+          <a:p>
+            <a:r>
+              <a:rPr lang="en-US" altLang="zh-CN" dirty="0" smtClean="0"/>
+              <a:t>PUBLIC: </a:t>
+            </a:r>
+            <a:r>
+              <a:rPr lang="en-US" altLang="zh-CN" dirty="0" err="1" smtClean="0"/>
+              <a:t>ResourceLocalizationService</a:t>
+            </a:r>
+            <a:r>
+              <a:rPr lang="zh-CN" altLang="en-US" dirty="0" smtClean="0"/>
+              <a:t>的公用线程 </a:t>
+            </a:r>
+            <a:r>
+              <a:rPr lang="en-US" altLang="zh-CN" dirty="0" err="1" smtClean="0"/>
+              <a:t>PublicLocalizer</a:t>
+            </a:r>
+            <a:r>
+              <a:rPr lang="en-US" altLang="zh-CN" dirty="0" smtClean="0"/>
+              <a:t> </a:t>
+            </a:r>
+            <a:r>
+              <a:rPr lang="zh-CN" altLang="en-US" dirty="0" smtClean="0"/>
+              <a:t>下载。</a:t>
+            </a:r>
+            <a:endParaRPr lang="en-US" altLang="zh-CN" dirty="0" smtClean="0"/>
+          </a:p>
+          <a:p>
+            <a:r>
+              <a:rPr lang="en-US" altLang="zh-CN" dirty="0" smtClean="0"/>
+              <a:t>PAIVATE/APPLICATION: </a:t>
+            </a:r>
+            <a:r>
+              <a:rPr lang="en-US" altLang="zh-CN" dirty="0" err="1" smtClean="0"/>
+              <a:t>ResourceLocalizationService</a:t>
+            </a:r>
+            <a:r>
+              <a:rPr lang="zh-CN" altLang="en-US" dirty="0" smtClean="0"/>
+              <a:t>的</a:t>
+            </a:r>
+            <a:r>
+              <a:rPr lang="en-US" altLang="zh-CN" dirty="0" err="1" smtClean="0"/>
+              <a:t>LocalizerRunner</a:t>
+            </a:r>
+            <a:r>
+              <a:rPr lang="zh-CN" altLang="en-US" dirty="0" smtClean="0"/>
+              <a:t>下载。</a:t>
+            </a:r>
+            <a:endParaRPr lang="en-US" altLang="zh-CN" dirty="0" smtClean="0"/>
+          </a:p>
+        </p:txBody>
+      </p:sp>
+    </p:spTree>
+    <p:extLst>
+      <p:ext uri="{BB962C8B-B14F-4D97-AF65-F5344CB8AC3E}">
+        <p14:creationId xmlns:p14="http://schemas.microsoft.com/office/powerpoint/2010/main" val="2215754147"/>
+      </p:ext>
+    </p:extLst>
+  </p:cSld>
+  <p:clrMapOvr>
+    <a:masterClrMapping/>
+  </p:clrMapOvr>
+  <p:timing>
+    <p:tnLst>
+      <p:par>
+        <p:cTn id="1" dur="indefinite" restart="never" nodeType="tmRoot"/>
+      </p:par>
+    </p:tnLst>
+  </p:timing>
+</p:sld>
+</file>
+
+<file path=ppt/slides/slide51.xml><?xml version="1.0" encoding="utf-8"?>
 <p:sld xmlns:a="http://schemas.openxmlformats.org/drawingml/2006/main" xmlns:r="http://schemas.openxmlformats.org/officeDocument/2006/relationships" xmlns:p="http://schemas.openxmlformats.org/presentationml/2006/main">
   <p:cSld>
     <p:spTree>
@@ -22900,7 +23151,7 @@
 </p:sld>
 </file>
 
-<file path=ppt/slides/slide51.xml><?xml version="1.0" encoding="utf-8"?>
+<file path=ppt/slides/slide52.xml><?xml version="1.0" encoding="utf-8"?>
 <p:sld xmlns:a="http://schemas.openxmlformats.org/drawingml/2006/main" xmlns:r="http://schemas.openxmlformats.org/officeDocument/2006/relationships" xmlns:p="http://schemas.openxmlformats.org/presentationml/2006/main">
   <p:cSld>
     <p:spTree>
@@ -23600,377 +23851,6 @@
 </p:sld>
 </file>
 
-<file path=ppt/slides/slide52.xml><?xml version="1.0" encoding="utf-8"?>
-<p:sld xmlns:a="http://schemas.openxmlformats.org/drawingml/2006/main" xmlns:r="http://schemas.openxmlformats.org/officeDocument/2006/relationships" xmlns:p="http://schemas.openxmlformats.org/presentationml/2006/main">
-  <p:cSld>
-    <p:spTree>
-      <p:nvGrpSpPr>
-        <p:cNvPr id="1" name=""/>
-        <p:cNvGrpSpPr/>
-        <p:nvPr/>
-      </p:nvGrpSpPr>
-      <p:grpSpPr>
-        <a:xfrm>
-          <a:off x="0" y="0"/>
-          <a:ext cx="0" cy="0"/>
-          <a:chOff x="0" y="0"/>
-          <a:chExt cx="0" cy="0"/>
-        </a:xfrm>
-      </p:grpSpPr>
-      <p:sp>
-        <p:nvSpPr>
-          <p:cNvPr id="2" name="标题 1"/>
-          <p:cNvSpPr>
-            <a:spLocks noGrp="1"/>
-          </p:cNvSpPr>
-          <p:nvPr>
-            <p:ph type="title"/>
-          </p:nvPr>
-        </p:nvSpPr>
-        <p:spPr/>
-        <p:txBody>
-          <a:bodyPr/>
-          <a:lstStyle/>
-          <a:p>
-            <a:r>
-              <a:rPr lang="en-US" altLang="zh-CN" dirty="0" err="1" smtClean="0"/>
-              <a:t>ContainerLaunch</a:t>
-            </a:r>
-            <a:r>
-              <a:rPr lang="zh-CN" altLang="en-US" dirty="0" smtClean="0"/>
-              <a:t>启动</a:t>
-            </a:r>
-            <a:r>
-              <a:rPr lang="en-US" altLang="zh-CN" dirty="0" smtClean="0"/>
-              <a:t>container</a:t>
-            </a:r>
-            <a:endParaRPr lang="zh-CN" altLang="en-US" dirty="0"/>
-          </a:p>
-        </p:txBody>
-      </p:sp>
-      <p:sp>
-        <p:nvSpPr>
-          <p:cNvPr id="3" name="内容占位符 2"/>
-          <p:cNvSpPr>
-            <a:spLocks noGrp="1"/>
-          </p:cNvSpPr>
-          <p:nvPr>
-            <p:ph idx="1"/>
-          </p:nvPr>
-        </p:nvSpPr>
-        <p:spPr/>
-        <p:txBody>
-          <a:bodyPr>
-            <a:normAutofit lnSpcReduction="10000"/>
-          </a:bodyPr>
-          <a:lstStyle/>
-          <a:p>
-            <a:r>
-              <a:rPr lang="en-US" altLang="zh-CN" dirty="0" smtClean="0"/>
-              <a:t>Call() {</a:t>
-            </a:r>
-          </a:p>
-          <a:p>
-            <a:pPr marL="457200" lvl="1" indent="0">
-              <a:buNone/>
-            </a:pPr>
-            <a:r>
-              <a:rPr lang="en-US" altLang="zh-CN" dirty="0" err="1">
-                <a:solidFill>
-                  <a:srgbClr val="0070C0"/>
-                </a:solidFill>
-              </a:rPr>
-              <a:t>ContainerLaunchContext</a:t>
-            </a:r>
-            <a:r>
-              <a:rPr lang="en-US" altLang="zh-CN" dirty="0">
-                <a:solidFill>
-                  <a:srgbClr val="0070C0"/>
-                </a:solidFill>
-              </a:rPr>
-              <a:t> </a:t>
-            </a:r>
-            <a:r>
-              <a:rPr lang="en-US" altLang="zh-CN" dirty="0" err="1"/>
-              <a:t>launchContext</a:t>
-            </a:r>
-            <a:r>
-              <a:rPr lang="en-US" altLang="zh-CN" dirty="0"/>
-              <a:t> = </a:t>
-            </a:r>
-            <a:r>
-              <a:rPr lang="en-US" altLang="zh-CN" dirty="0" err="1"/>
-              <a:t>container.getLaunchContext</a:t>
-            </a:r>
-            <a:r>
-              <a:rPr lang="en-US" altLang="zh-CN" dirty="0"/>
-              <a:t>();</a:t>
-            </a:r>
-            <a:endParaRPr lang="en-US" altLang="zh-CN" dirty="0" smtClean="0"/>
-          </a:p>
-          <a:p>
-            <a:pPr marL="457200" lvl="1" indent="0">
-              <a:buNone/>
-            </a:pPr>
-            <a:r>
-              <a:rPr lang="en-US" altLang="zh-CN" dirty="0" smtClean="0">
-                <a:solidFill>
-                  <a:srgbClr val="0070C0"/>
-                </a:solidFill>
-              </a:rPr>
-              <a:t>command</a:t>
-            </a:r>
-            <a:r>
-              <a:rPr lang="en-US" altLang="zh-CN" dirty="0" smtClean="0"/>
-              <a:t> </a:t>
-            </a:r>
-            <a:r>
-              <a:rPr lang="en-US" altLang="zh-CN" dirty="0"/>
-              <a:t>= </a:t>
-            </a:r>
-            <a:r>
-              <a:rPr lang="en-US" altLang="zh-CN" dirty="0" err="1"/>
-              <a:t>launchContext.getCommands</a:t>
-            </a:r>
-            <a:r>
-              <a:rPr lang="en-US" altLang="zh-CN" dirty="0" smtClean="0"/>
-              <a:t>();</a:t>
-            </a:r>
-          </a:p>
-          <a:p>
-            <a:pPr marL="457200" lvl="1" indent="0">
-              <a:buNone/>
-            </a:pPr>
-            <a:r>
-              <a:rPr lang="en-US" altLang="zh-CN" dirty="0"/>
-              <a:t>	for (String </a:t>
-            </a:r>
-            <a:r>
-              <a:rPr lang="en-US" altLang="zh-CN" dirty="0" err="1"/>
-              <a:t>str</a:t>
-            </a:r>
-            <a:r>
-              <a:rPr lang="en-US" altLang="zh-CN" dirty="0"/>
-              <a:t> : command)</a:t>
-            </a:r>
-            <a:endParaRPr lang="en-US" altLang="zh-CN" dirty="0" smtClean="0"/>
-          </a:p>
-          <a:p>
-            <a:pPr marL="457200" lvl="1" indent="0">
-              <a:buNone/>
-            </a:pPr>
-            <a:r>
-              <a:rPr lang="en-US" altLang="zh-CN" dirty="0"/>
-              <a:t>	</a:t>
-            </a:r>
-            <a:r>
-              <a:rPr lang="en-US" altLang="zh-CN" dirty="0" smtClean="0"/>
-              <a:t>	</a:t>
-            </a:r>
-            <a:r>
-              <a:rPr lang="en-US" altLang="zh-CN" dirty="0" err="1" smtClean="0">
-                <a:solidFill>
-                  <a:srgbClr val="0070C0"/>
-                </a:solidFill>
-              </a:rPr>
-              <a:t>newCmds</a:t>
-            </a:r>
-            <a:r>
-              <a:rPr lang="en-US" altLang="zh-CN" dirty="0" err="1" smtClean="0"/>
-              <a:t>.add</a:t>
-            </a:r>
-            <a:r>
-              <a:rPr lang="en-US" altLang="zh-CN" dirty="0" smtClean="0"/>
-              <a:t>(</a:t>
-            </a:r>
-            <a:r>
-              <a:rPr lang="en-US" altLang="zh-CN" dirty="0" err="1" smtClean="0"/>
-              <a:t>expandEnvironment</a:t>
-            </a:r>
-            <a:r>
-              <a:rPr lang="en-US" altLang="zh-CN" dirty="0" smtClean="0"/>
-              <a:t>(</a:t>
-            </a:r>
-            <a:r>
-              <a:rPr lang="en-US" altLang="zh-CN" dirty="0" err="1" smtClean="0"/>
-              <a:t>str</a:t>
-            </a:r>
-            <a:r>
-              <a:rPr lang="en-US" altLang="zh-CN" dirty="0"/>
-              <a:t>, </a:t>
-            </a:r>
-            <a:r>
-              <a:rPr lang="en-US" altLang="zh-CN" dirty="0" err="1"/>
-              <a:t>containerLogDir</a:t>
-            </a:r>
-            <a:r>
-              <a:rPr lang="en-US" altLang="zh-CN" dirty="0"/>
-              <a:t>));</a:t>
-            </a:r>
-          </a:p>
-          <a:p>
-            <a:pPr marL="457200" lvl="1" indent="0">
-              <a:buNone/>
-            </a:pPr>
-            <a:r>
-              <a:rPr lang="en-US" altLang="zh-CN" dirty="0" err="1">
-                <a:solidFill>
-                  <a:srgbClr val="0070C0"/>
-                </a:solidFill>
-              </a:rPr>
-              <a:t>localResources</a:t>
-            </a:r>
-            <a:r>
-              <a:rPr lang="en-US" altLang="zh-CN" dirty="0">
-                <a:solidFill>
-                  <a:srgbClr val="0070C0"/>
-                </a:solidFill>
-              </a:rPr>
-              <a:t> </a:t>
-            </a:r>
-            <a:r>
-              <a:rPr lang="en-US" altLang="zh-CN" dirty="0"/>
-              <a:t>= </a:t>
-            </a:r>
-            <a:r>
-              <a:rPr lang="en-US" altLang="zh-CN" dirty="0" err="1"/>
-              <a:t>container.getLocalizedResources</a:t>
-            </a:r>
-            <a:r>
-              <a:rPr lang="en-US" altLang="zh-CN" dirty="0" smtClean="0"/>
-              <a:t>();</a:t>
-            </a:r>
-          </a:p>
-          <a:p>
-            <a:pPr marL="457200" lvl="1" indent="0">
-              <a:buNone/>
-            </a:pPr>
-            <a:r>
-              <a:rPr lang="en-US" altLang="zh-CN" dirty="0"/>
-              <a:t>environment = </a:t>
-            </a:r>
-            <a:r>
-              <a:rPr lang="en-US" altLang="zh-CN" dirty="0" err="1"/>
-              <a:t>launchContext.getEnvironment</a:t>
-            </a:r>
-            <a:r>
-              <a:rPr lang="en-US" altLang="zh-CN" dirty="0" smtClean="0"/>
-              <a:t>();</a:t>
-            </a:r>
-          </a:p>
-          <a:p>
-            <a:pPr marL="457200" lvl="1" indent="0">
-              <a:buNone/>
-            </a:pPr>
-            <a:r>
-              <a:rPr lang="en-US" altLang="zh-CN" dirty="0" smtClean="0"/>
-              <a:t>……</a:t>
-            </a:r>
-            <a:r>
-              <a:rPr lang="zh-CN" altLang="en-US" dirty="0" smtClean="0"/>
-              <a:t>设置目录文件，</a:t>
-            </a:r>
-            <a:r>
-              <a:rPr lang="en-US" altLang="zh-CN" dirty="0" smtClean="0"/>
-              <a:t>token……</a:t>
-            </a:r>
-          </a:p>
-          <a:p>
-            <a:pPr marL="457200" lvl="1" indent="0">
-              <a:buNone/>
-            </a:pPr>
-            <a:r>
-              <a:rPr lang="en-US" altLang="zh-CN" dirty="0" err="1"/>
-              <a:t>exec.activateContainer</a:t>
-            </a:r>
-            <a:r>
-              <a:rPr lang="en-US" altLang="zh-CN" dirty="0"/>
-              <a:t>(</a:t>
-            </a:r>
-            <a:r>
-              <a:rPr lang="en-US" altLang="zh-CN" dirty="0" err="1"/>
-              <a:t>containerID</a:t>
-            </a:r>
-            <a:r>
-              <a:rPr lang="en-US" altLang="zh-CN" dirty="0"/>
-              <a:t>, </a:t>
-            </a:r>
-            <a:r>
-              <a:rPr lang="en-US" altLang="zh-CN" dirty="0" err="1"/>
-              <a:t>pidFilePath</a:t>
-            </a:r>
-            <a:r>
-              <a:rPr lang="en-US" altLang="zh-CN" dirty="0" smtClean="0"/>
-              <a:t>);</a:t>
-            </a:r>
-          </a:p>
-          <a:p>
-            <a:pPr marL="457200" lvl="1" indent="0">
-              <a:buNone/>
-            </a:pPr>
-            <a:r>
-              <a:rPr lang="en-US" altLang="zh-CN" dirty="0"/>
-              <a:t>ret = </a:t>
-            </a:r>
-            <a:r>
-              <a:rPr lang="en-US" altLang="zh-CN" dirty="0" err="1">
-                <a:solidFill>
-                  <a:srgbClr val="FF0000"/>
-                </a:solidFill>
-              </a:rPr>
-              <a:t>exec.launchContainer</a:t>
-            </a:r>
-            <a:r>
-              <a:rPr lang="en-US" altLang="zh-CN" dirty="0">
-                <a:solidFill>
-                  <a:srgbClr val="FF0000"/>
-                </a:solidFill>
-              </a:rPr>
-              <a:t>(container</a:t>
-            </a:r>
-            <a:r>
-              <a:rPr lang="en-US" altLang="zh-CN" dirty="0" smtClean="0"/>
-              <a:t>,…….)</a:t>
-            </a:r>
-          </a:p>
-          <a:p>
-            <a:pPr marL="457200" lvl="1" indent="0">
-              <a:buNone/>
-            </a:pPr>
-            <a:r>
-              <a:rPr lang="en-US" altLang="zh-CN" dirty="0" smtClean="0"/>
-              <a:t>Return ret;</a:t>
-            </a:r>
-            <a:endParaRPr lang="en-US" altLang="zh-CN" dirty="0"/>
-          </a:p>
-          <a:p>
-            <a:pPr marL="457200" lvl="1" indent="0">
-              <a:buNone/>
-            </a:pPr>
-            <a:endParaRPr lang="zh-CN" altLang="en-US" dirty="0"/>
-          </a:p>
-        </p:txBody>
-      </p:sp>
-    </p:spTree>
-    <p:extLst>
-      <p:ext uri="{BB962C8B-B14F-4D97-AF65-F5344CB8AC3E}">
-        <p14:creationId xmlns:p14="http://schemas.microsoft.com/office/powerpoint/2010/main" val="912502976"/>
-      </p:ext>
-    </p:extLst>
-  </p:cSld>
-  <p:clrMapOvr>
-    <a:masterClrMapping/>
-  </p:clrMapOvr>
-  <p:timing>
-    <p:tnLst>
-      <p:par>
-        <p:cTn id="1" dur="indefinite" restart="never" nodeType="tmRoot"/>
-      </p:par>
-    </p:tnLst>
-  </p:timing>
-</p:sld>
-</file>
-
 <file path=ppt/slides/slide53.xml><?xml version="1.0" encoding="utf-8"?>
 <p:sld xmlns:a="http://schemas.openxmlformats.org/drawingml/2006/main" xmlns:r="http://schemas.openxmlformats.org/officeDocument/2006/relationships" xmlns:p="http://schemas.openxmlformats.org/presentationml/2006/main">
   <p:cSld>
@@ -24004,8 +23884,16 @@
           <a:lstStyle/>
           <a:p>
             <a:r>
-              <a:rPr lang="zh-CN" altLang="en-US" dirty="0" smtClean="0"/>
-              <a:t>目录结构管理</a:t>
+              <a:rPr lang="en-US" altLang="zh-CN" dirty="0" err="1" smtClean="0"/>
+              <a:t>ContainerLaunch</a:t>
+            </a:r>
+            <a:r>
+              <a:rPr lang="zh-CN" altLang="en-US" dirty="0" smtClean="0"/>
+              <a:t>启动</a:t>
+            </a:r>
+            <a:r>
+              <a:rPr lang="en-US" altLang="zh-CN" dirty="0" smtClean="0"/>
+              <a:t>container</a:t>
             </a:r>
             <a:endParaRPr lang="zh-CN" altLang="en-US" dirty="0"/>
           </a:p>
@@ -24023,190 +23911,293 @@
         </p:nvSpPr>
         <p:spPr/>
         <p:txBody>
-          <a:bodyPr/>
-          <a:lstStyle/>
-          <a:p>
-            <a:r>
-              <a:rPr lang="zh-CN" altLang="en-US" dirty="0" smtClean="0"/>
-              <a:t>数据目录结构</a:t>
+          <a:bodyPr>
+            <a:normAutofit lnSpcReduction="10000"/>
+          </a:bodyPr>
+          <a:lstStyle/>
+          <a:p>
+            <a:r>
+              <a:rPr lang="en-US" altLang="zh-CN" dirty="0" smtClean="0"/>
+              <a:t>Call() {</a:t>
+            </a:r>
+          </a:p>
+          <a:p>
+            <a:pPr marL="457200" lvl="1" indent="0">
+              <a:buNone/>
+            </a:pPr>
+            <a:r>
+              <a:rPr lang="en-US" altLang="zh-CN" dirty="0" err="1">
+                <a:solidFill>
+                  <a:srgbClr val="0070C0"/>
+                </a:solidFill>
+              </a:rPr>
+              <a:t>ContainerLaunchContext</a:t>
+            </a:r>
+            <a:r>
+              <a:rPr lang="en-US" altLang="zh-CN" dirty="0">
+                <a:solidFill>
+                  <a:srgbClr val="0070C0"/>
+                </a:solidFill>
+              </a:rPr>
+              <a:t> </a:t>
+            </a:r>
+            <a:r>
+              <a:rPr lang="en-US" altLang="zh-CN" dirty="0" err="1"/>
+              <a:t>launchContext</a:t>
+            </a:r>
+            <a:r>
+              <a:rPr lang="en-US" altLang="zh-CN" dirty="0"/>
+              <a:t> = </a:t>
+            </a:r>
+            <a:r>
+              <a:rPr lang="en-US" altLang="zh-CN" dirty="0" err="1"/>
+              <a:t>container.getLaunchContext</a:t>
+            </a:r>
+            <a:r>
+              <a:rPr lang="en-US" altLang="zh-CN" dirty="0"/>
+              <a:t>();</a:t>
+            </a:r>
+            <a:endParaRPr lang="en-US" altLang="zh-CN" dirty="0" smtClean="0"/>
+          </a:p>
+          <a:p>
+            <a:pPr marL="457200" lvl="1" indent="0">
+              <a:buNone/>
+            </a:pPr>
+            <a:r>
+              <a:rPr lang="en-US" altLang="zh-CN" dirty="0" smtClean="0">
+                <a:solidFill>
+                  <a:srgbClr val="0070C0"/>
+                </a:solidFill>
+              </a:rPr>
+              <a:t>command</a:t>
+            </a:r>
+            <a:r>
+              <a:rPr lang="en-US" altLang="zh-CN" dirty="0" smtClean="0"/>
+              <a:t> </a:t>
+            </a:r>
+            <a:r>
+              <a:rPr lang="en-US" altLang="zh-CN" dirty="0"/>
+              <a:t>= </a:t>
+            </a:r>
+            <a:r>
+              <a:rPr lang="en-US" altLang="zh-CN" dirty="0" err="1"/>
+              <a:t>launchContext.getCommands</a:t>
+            </a:r>
+            <a:r>
+              <a:rPr lang="en-US" altLang="zh-CN" dirty="0" smtClean="0"/>
+              <a:t>();</a:t>
+            </a:r>
+          </a:p>
+          <a:p>
+            <a:pPr marL="457200" lvl="1" indent="0">
+              <a:buNone/>
+            </a:pPr>
+            <a:r>
+              <a:rPr lang="en-US" altLang="zh-CN" dirty="0"/>
+              <a:t>	for (String </a:t>
+            </a:r>
+            <a:r>
+              <a:rPr lang="en-US" altLang="zh-CN" dirty="0" err="1"/>
+              <a:t>str</a:t>
+            </a:r>
+            <a:r>
+              <a:rPr lang="en-US" altLang="zh-CN" dirty="0"/>
+              <a:t> : command)</a:t>
+            </a:r>
+            <a:endParaRPr lang="en-US" altLang="zh-CN" dirty="0" smtClean="0"/>
+          </a:p>
+          <a:p>
+            <a:pPr marL="457200" lvl="1" indent="0">
+              <a:buNone/>
+            </a:pPr>
+            <a:r>
+              <a:rPr lang="en-US" altLang="zh-CN" dirty="0"/>
+              <a:t>	</a:t>
+            </a:r>
+            <a:r>
+              <a:rPr lang="en-US" altLang="zh-CN" dirty="0" smtClean="0"/>
+              <a:t>	</a:t>
+            </a:r>
+            <a:r>
+              <a:rPr lang="en-US" altLang="zh-CN" dirty="0" err="1" smtClean="0">
+                <a:solidFill>
+                  <a:srgbClr val="0070C0"/>
+                </a:solidFill>
+              </a:rPr>
+              <a:t>newCmds</a:t>
+            </a:r>
+            <a:r>
+              <a:rPr lang="en-US" altLang="zh-CN" dirty="0" err="1" smtClean="0"/>
+              <a:t>.add</a:t>
+            </a:r>
+            <a:r>
+              <a:rPr lang="en-US" altLang="zh-CN" dirty="0" smtClean="0"/>
+              <a:t>(</a:t>
+            </a:r>
+            <a:r>
+              <a:rPr lang="en-US" altLang="zh-CN" dirty="0" err="1" smtClean="0"/>
+              <a:t>expandEnvironment</a:t>
+            </a:r>
+            <a:r>
+              <a:rPr lang="en-US" altLang="zh-CN" dirty="0" smtClean="0"/>
+              <a:t>(</a:t>
+            </a:r>
+            <a:r>
+              <a:rPr lang="en-US" altLang="zh-CN" dirty="0" err="1" smtClean="0"/>
+              <a:t>str</a:t>
+            </a:r>
+            <a:r>
+              <a:rPr lang="en-US" altLang="zh-CN" dirty="0"/>
+              <a:t>, </a:t>
+            </a:r>
+            <a:r>
+              <a:rPr lang="en-US" altLang="zh-CN" dirty="0" err="1"/>
+              <a:t>containerLogDir</a:t>
+            </a:r>
+            <a:r>
+              <a:rPr lang="en-US" altLang="zh-CN" dirty="0"/>
+              <a:t>));</a:t>
+            </a:r>
+          </a:p>
+          <a:p>
+            <a:pPr marL="457200" lvl="1" indent="0">
+              <a:buNone/>
+            </a:pPr>
+            <a:r>
+              <a:rPr lang="en-US" altLang="zh-CN" dirty="0" err="1">
+                <a:solidFill>
+                  <a:srgbClr val="0070C0"/>
+                </a:solidFill>
+              </a:rPr>
+              <a:t>localResources</a:t>
+            </a:r>
+            <a:r>
+              <a:rPr lang="en-US" altLang="zh-CN" dirty="0">
+                <a:solidFill>
+                  <a:srgbClr val="0070C0"/>
+                </a:solidFill>
+              </a:rPr>
+              <a:t> </a:t>
+            </a:r>
+            <a:r>
+              <a:rPr lang="en-US" altLang="zh-CN" dirty="0"/>
+              <a:t>= </a:t>
+            </a:r>
+            <a:r>
+              <a:rPr lang="en-US" altLang="zh-CN" dirty="0" err="1"/>
+              <a:t>container.getLocalizedResources</a:t>
+            </a:r>
+            <a:r>
+              <a:rPr lang="en-US" altLang="zh-CN" dirty="0" smtClean="0"/>
+              <a:t>();</a:t>
+            </a:r>
+          </a:p>
+          <a:p>
+            <a:pPr marL="457200" lvl="1" indent="0">
+              <a:buNone/>
+            </a:pPr>
+            <a:r>
+              <a:rPr lang="en-US" altLang="zh-CN" dirty="0"/>
+              <a:t>environment = </a:t>
+            </a:r>
+            <a:r>
+              <a:rPr lang="en-US" altLang="zh-CN" dirty="0" err="1"/>
+              <a:t>launchContext.getEnvironment</a:t>
+            </a:r>
+            <a:r>
+              <a:rPr lang="en-US" altLang="zh-CN" dirty="0" smtClean="0"/>
+              <a:t>();</a:t>
+            </a:r>
+          </a:p>
+          <a:p>
+            <a:pPr marL="457200" lvl="1" indent="0">
+              <a:buNone/>
+            </a:pPr>
+            <a:r>
+              <a:rPr lang="en-US" altLang="zh-CN" dirty="0" smtClean="0"/>
+              <a:t>……</a:t>
+            </a:r>
+            <a:r>
+              <a:rPr lang="zh-CN" altLang="en-US" dirty="0" smtClean="0"/>
+              <a:t>设置目录文件，</a:t>
+            </a:r>
+            <a:r>
+              <a:rPr lang="en-US" altLang="zh-CN" dirty="0" smtClean="0"/>
+              <a:t>token……</a:t>
+            </a:r>
+          </a:p>
+          <a:p>
+            <a:pPr marL="457200" lvl="1" indent="0">
+              <a:buNone/>
+            </a:pPr>
+            <a:r>
+              <a:rPr lang="en-US" altLang="zh-CN" dirty="0" err="1"/>
+              <a:t>exec.activateContainer</a:t>
+            </a:r>
+            <a:r>
+              <a:rPr lang="en-US" altLang="zh-CN" dirty="0"/>
+              <a:t>(</a:t>
+            </a:r>
+            <a:r>
+              <a:rPr lang="en-US" altLang="zh-CN" dirty="0" err="1"/>
+              <a:t>containerID</a:t>
+            </a:r>
+            <a:r>
+              <a:rPr lang="en-US" altLang="zh-CN" dirty="0"/>
+              <a:t>, </a:t>
+            </a:r>
+            <a:r>
+              <a:rPr lang="en-US" altLang="zh-CN" dirty="0" err="1"/>
+              <a:t>pidFilePath</a:t>
+            </a:r>
+            <a:r>
+              <a:rPr lang="en-US" altLang="zh-CN" dirty="0" smtClean="0"/>
+              <a:t>);</a:t>
+            </a:r>
+          </a:p>
+          <a:p>
+            <a:pPr marL="457200" lvl="1" indent="0">
+              <a:buNone/>
+            </a:pPr>
+            <a:r>
+              <a:rPr lang="en-US" altLang="zh-CN" dirty="0"/>
+              <a:t>ret = </a:t>
+            </a:r>
+            <a:r>
+              <a:rPr lang="en-US" altLang="zh-CN" dirty="0" err="1">
+                <a:solidFill>
+                  <a:srgbClr val="FF0000"/>
+                </a:solidFill>
+              </a:rPr>
+              <a:t>exec.launchContainer</a:t>
+            </a:r>
+            <a:r>
+              <a:rPr lang="en-US" altLang="zh-CN" dirty="0">
+                <a:solidFill>
+                  <a:srgbClr val="FF0000"/>
+                </a:solidFill>
+              </a:rPr>
+              <a:t>(container</a:t>
+            </a:r>
+            <a:r>
+              <a:rPr lang="en-US" altLang="zh-CN" dirty="0" smtClean="0"/>
+              <a:t>,…….)</a:t>
+            </a:r>
+          </a:p>
+          <a:p>
+            <a:pPr marL="457200" lvl="1" indent="0">
+              <a:buNone/>
+            </a:pPr>
+            <a:r>
+              <a:rPr lang="en-US" altLang="zh-CN" dirty="0" smtClean="0"/>
+              <a:t>Return ret;</a:t>
             </a:r>
             <a:endParaRPr lang="en-US" altLang="zh-CN" dirty="0"/>
           </a:p>
           <a:p>
-            <a:pPr lvl="1"/>
-            <a:r>
-              <a:rPr lang="zh-CN" altLang="en-US" dirty="0" smtClean="0"/>
-              <a:t>假设在</a:t>
-            </a:r>
-            <a:r>
-              <a:rPr lang="en-US" altLang="zh-CN" dirty="0" err="1" smtClean="0"/>
-              <a:t>yarn.nodemanager.local-dirs</a:t>
-            </a:r>
-            <a:r>
-              <a:rPr lang="zh-CN" altLang="en-US" dirty="0" smtClean="0"/>
-              <a:t>配置了多个目录，目录挂载在不同磁盘</a:t>
-            </a:r>
-            <a:endParaRPr lang="en-US" altLang="zh-CN" dirty="0" smtClean="0"/>
-          </a:p>
-          <a:p>
-            <a:pPr lvl="1"/>
-            <a:r>
-              <a:rPr lang="en-US" altLang="zh-CN" dirty="0" smtClean="0"/>
-              <a:t>NM</a:t>
-            </a:r>
-            <a:r>
-              <a:rPr lang="zh-CN" altLang="en-US" dirty="0" smtClean="0"/>
-              <a:t>会在每个磁盘为该作业创建相同目录结构</a:t>
-            </a:r>
-            <a:endParaRPr lang="en-US" altLang="zh-CN" dirty="0" smtClean="0"/>
-          </a:p>
-          <a:p>
-            <a:pPr lvl="1"/>
-            <a:r>
-              <a:rPr lang="zh-CN" altLang="en-US" dirty="0" smtClean="0"/>
-              <a:t>轮询调度把不同目录</a:t>
-            </a:r>
-            <a:r>
-              <a:rPr lang="en-US" altLang="zh-CN" dirty="0" smtClean="0"/>
-              <a:t>(</a:t>
-            </a:r>
-            <a:r>
-              <a:rPr lang="zh-CN" altLang="en-US" dirty="0" smtClean="0"/>
-              <a:t>磁盘</a:t>
-            </a:r>
-            <a:r>
-              <a:rPr lang="en-US" altLang="zh-CN" dirty="0" smtClean="0"/>
-              <a:t>)</a:t>
-            </a:r>
-            <a:r>
-              <a:rPr lang="zh-CN" altLang="en-US" dirty="0" smtClean="0"/>
-              <a:t>分配给</a:t>
-            </a:r>
-            <a:r>
-              <a:rPr lang="en-US" altLang="zh-CN" dirty="0" smtClean="0"/>
-              <a:t>container</a:t>
-            </a:r>
-            <a:r>
-              <a:rPr lang="zh-CN" altLang="en-US" dirty="0" smtClean="0"/>
-              <a:t>的不同模块。分摊负载</a:t>
-            </a:r>
-            <a:endParaRPr lang="en-US" altLang="zh-CN" dirty="0" smtClean="0"/>
-          </a:p>
-          <a:p>
-            <a:pPr lvl="1"/>
-            <a:r>
-              <a:rPr lang="zh-CN" altLang="en-US" dirty="0" smtClean="0"/>
-              <a:t>应用程序结束之后，在统一清除</a:t>
-            </a:r>
-            <a:r>
-              <a:rPr lang="en-US" altLang="zh-CN" dirty="0" smtClean="0"/>
-              <a:t>container</a:t>
-            </a:r>
-            <a:r>
-              <a:rPr lang="zh-CN" altLang="en-US" dirty="0" smtClean="0"/>
-              <a:t>的数据。</a:t>
-            </a:r>
-            <a:endParaRPr lang="en-US" altLang="zh-CN" dirty="0" smtClean="0"/>
-          </a:p>
-          <a:p>
-            <a:r>
-              <a:rPr lang="zh-CN" altLang="en-US" dirty="0" smtClean="0"/>
-              <a:t>日志目录管理</a:t>
-            </a:r>
-            <a:endParaRPr lang="en-US" altLang="zh-CN" dirty="0" smtClean="0"/>
-          </a:p>
-          <a:p>
-            <a:pPr lvl="1"/>
-            <a:r>
-              <a:rPr lang="en-US" altLang="zh-CN" dirty="0" smtClean="0"/>
-              <a:t>Yarn.nodemanager.log-</a:t>
-            </a:r>
-            <a:r>
-              <a:rPr lang="en-US" altLang="zh-CN" dirty="0" err="1" smtClean="0"/>
-              <a:t>dirs</a:t>
-            </a:r>
-            <a:r>
-              <a:rPr lang="zh-CN" altLang="en-US" dirty="0" smtClean="0"/>
-              <a:t>配置日志目录，是</a:t>
-            </a:r>
-            <a:r>
-              <a:rPr lang="en-US" altLang="zh-CN" dirty="0" smtClean="0"/>
-              <a:t>container</a:t>
-            </a:r>
-            <a:r>
-              <a:rPr lang="zh-CN" altLang="en-US" dirty="0" smtClean="0"/>
-              <a:t>的运行日志</a:t>
-            </a:r>
-            <a:endParaRPr lang="en-US" altLang="zh-CN" dirty="0" smtClean="0"/>
-          </a:p>
-          <a:p>
-            <a:pPr lvl="1"/>
-            <a:r>
-              <a:rPr lang="zh-CN" altLang="en-US" dirty="0" smtClean="0"/>
-              <a:t>三类日志输出：</a:t>
-            </a:r>
-            <a:r>
-              <a:rPr lang="en-US" altLang="zh-CN" dirty="0" err="1" smtClean="0"/>
-              <a:t>stdout</a:t>
-            </a:r>
-            <a:r>
-              <a:rPr lang="zh-CN" altLang="en-US" dirty="0" smtClean="0"/>
-              <a:t>，</a:t>
-            </a:r>
-            <a:r>
-              <a:rPr lang="en-US" altLang="zh-CN" dirty="0" smtClean="0"/>
-              <a:t>syslog</a:t>
-            </a:r>
-            <a:r>
-              <a:rPr lang="zh-CN" altLang="en-US" dirty="0" smtClean="0"/>
-              <a:t>，</a:t>
-            </a:r>
-            <a:r>
-              <a:rPr lang="en-US" altLang="zh-CN" dirty="0" smtClean="0"/>
-              <a:t>syslog</a:t>
-            </a:r>
-          </a:p>
-          <a:p>
-            <a:pPr lvl="1"/>
-            <a:r>
-              <a:rPr lang="zh-CN" altLang="en-US" dirty="0" smtClean="0"/>
-              <a:t>定期清理，</a:t>
-            </a:r>
-            <a:r>
-              <a:rPr lang="en-US" altLang="zh-CN" dirty="0" err="1" smtClean="0"/>
-              <a:t>LogHandler</a:t>
-            </a:r>
-            <a:r>
-              <a:rPr lang="zh-CN" altLang="en-US" dirty="0" smtClean="0"/>
-              <a:t>，默认</a:t>
-            </a:r>
-            <a:r>
-              <a:rPr lang="en-US" altLang="zh-CN" dirty="0" smtClean="0"/>
-              <a:t>3</a:t>
-            </a:r>
-            <a:r>
-              <a:rPr lang="zh-CN" altLang="en-US" dirty="0" smtClean="0"/>
-              <a:t>小时</a:t>
-            </a:r>
-            <a:endParaRPr lang="en-US" altLang="zh-CN" dirty="0" smtClean="0"/>
-          </a:p>
-          <a:p>
-            <a:pPr lvl="1"/>
-            <a:r>
-              <a:rPr lang="zh-CN" altLang="en-US" dirty="0" smtClean="0"/>
-              <a:t>程序结束时，日志上传到</a:t>
-            </a:r>
-            <a:r>
-              <a:rPr lang="en-US" altLang="zh-CN" dirty="0" smtClean="0"/>
-              <a:t>HDFS</a:t>
-            </a:r>
-          </a:p>
-          <a:p>
-            <a:pPr lvl="1"/>
-            <a:endParaRPr lang="en-US" altLang="zh-CN" dirty="0" smtClean="0"/>
-          </a:p>
-          <a:p>
-            <a:pPr lvl="1"/>
+            <a:pPr marL="457200" lvl="1" indent="0">
+              <a:buNone/>
+            </a:pPr>
             <a:endParaRPr lang="zh-CN" altLang="en-US" dirty="0"/>
           </a:p>
         </p:txBody>
@@ -24214,7 +24205,7 @@
     </p:spTree>
     <p:extLst>
       <p:ext uri="{BB962C8B-B14F-4D97-AF65-F5344CB8AC3E}">
-        <p14:creationId xmlns:p14="http://schemas.microsoft.com/office/powerpoint/2010/main" val="1749913084"/>
+        <p14:creationId xmlns:p14="http://schemas.microsoft.com/office/powerpoint/2010/main" val="912502976"/>
       </p:ext>
     </p:extLst>
   </p:cSld>
@@ -24264,8 +24255,8 @@
           <a:lstStyle/>
           <a:p>
             <a:r>
-              <a:rPr lang="en-US" altLang="zh-CN" dirty="0" err="1" smtClean="0"/>
-              <a:t>MRAppMaster</a:t>
+              <a:rPr lang="zh-CN" altLang="en-US" dirty="0" smtClean="0"/>
+              <a:t>目录结构管理</a:t>
             </a:r>
             <a:endParaRPr lang="zh-CN" altLang="en-US" dirty="0"/>
           </a:p>
@@ -24273,12 +24264,12 @@
       </p:sp>
       <p:sp>
         <p:nvSpPr>
-          <p:cNvPr id="3" name="文本占位符 2"/>
+          <p:cNvPr id="3" name="内容占位符 2"/>
           <p:cNvSpPr>
             <a:spLocks noGrp="1"/>
           </p:cNvSpPr>
           <p:nvPr>
-            <p:ph type="body" idx="1"/>
+            <p:ph idx="1"/>
           </p:nvPr>
         </p:nvSpPr>
         <p:spPr/>
@@ -24287,9 +24278,186 @@
           <a:lstStyle/>
           <a:p>
             <a:r>
+              <a:rPr lang="zh-CN" altLang="en-US" dirty="0" smtClean="0"/>
+              <a:t>数据目录结构</a:t>
+            </a:r>
+            <a:endParaRPr lang="en-US" altLang="zh-CN" dirty="0"/>
+          </a:p>
+          <a:p>
+            <a:pPr lvl="1"/>
+            <a:r>
+              <a:rPr lang="zh-CN" altLang="en-US" dirty="0" smtClean="0"/>
+              <a:t>假设在</a:t>
+            </a:r>
+            <a:r>
               <a:rPr lang="en-US" altLang="zh-CN" dirty="0" err="1" smtClean="0"/>
-              <a:t>loull</a:t>
-            </a:r>
+              <a:t>yarn.nodemanager.local-dirs</a:t>
+            </a:r>
+            <a:r>
+              <a:rPr lang="zh-CN" altLang="en-US" dirty="0" smtClean="0"/>
+              <a:t>配置了多个目录，目录挂载在不同磁盘</a:t>
+            </a:r>
+            <a:endParaRPr lang="en-US" altLang="zh-CN" dirty="0" smtClean="0"/>
+          </a:p>
+          <a:p>
+            <a:pPr lvl="1"/>
+            <a:r>
+              <a:rPr lang="en-US" altLang="zh-CN" dirty="0" smtClean="0"/>
+              <a:t>NM</a:t>
+            </a:r>
+            <a:r>
+              <a:rPr lang="zh-CN" altLang="en-US" dirty="0" smtClean="0"/>
+              <a:t>会在每个磁盘为该作业创建相同目录结构</a:t>
+            </a:r>
+            <a:endParaRPr lang="en-US" altLang="zh-CN" dirty="0" smtClean="0"/>
+          </a:p>
+          <a:p>
+            <a:pPr lvl="1"/>
+            <a:r>
+              <a:rPr lang="zh-CN" altLang="en-US" dirty="0" smtClean="0"/>
+              <a:t>轮询调度把不同目录</a:t>
+            </a:r>
+            <a:r>
+              <a:rPr lang="en-US" altLang="zh-CN" dirty="0" smtClean="0"/>
+              <a:t>(</a:t>
+            </a:r>
+            <a:r>
+              <a:rPr lang="zh-CN" altLang="en-US" dirty="0" smtClean="0"/>
+              <a:t>磁盘</a:t>
+            </a:r>
+            <a:r>
+              <a:rPr lang="en-US" altLang="zh-CN" dirty="0" smtClean="0"/>
+              <a:t>)</a:t>
+            </a:r>
+            <a:r>
+              <a:rPr lang="zh-CN" altLang="en-US" dirty="0" smtClean="0"/>
+              <a:t>分配给</a:t>
+            </a:r>
+            <a:r>
+              <a:rPr lang="en-US" altLang="zh-CN" dirty="0" smtClean="0"/>
+              <a:t>container</a:t>
+            </a:r>
+            <a:r>
+              <a:rPr lang="zh-CN" altLang="en-US" dirty="0" smtClean="0"/>
+              <a:t>的不同模块。分摊负载</a:t>
+            </a:r>
+            <a:endParaRPr lang="en-US" altLang="zh-CN" dirty="0" smtClean="0"/>
+          </a:p>
+          <a:p>
+            <a:pPr lvl="1"/>
+            <a:r>
+              <a:rPr lang="zh-CN" altLang="en-US" dirty="0" smtClean="0"/>
+              <a:t>应用程序结束之后，在统一清除</a:t>
+            </a:r>
+            <a:r>
+              <a:rPr lang="en-US" altLang="zh-CN" dirty="0" smtClean="0"/>
+              <a:t>container</a:t>
+            </a:r>
+            <a:r>
+              <a:rPr lang="zh-CN" altLang="en-US" dirty="0" smtClean="0"/>
+              <a:t>的数据。</a:t>
+            </a:r>
+            <a:endParaRPr lang="en-US" altLang="zh-CN" dirty="0" smtClean="0"/>
+          </a:p>
+          <a:p>
+            <a:r>
+              <a:rPr lang="zh-CN" altLang="en-US" dirty="0" smtClean="0"/>
+              <a:t>日志目录管理</a:t>
+            </a:r>
+            <a:endParaRPr lang="en-US" altLang="zh-CN" dirty="0" smtClean="0"/>
+          </a:p>
+          <a:p>
+            <a:pPr lvl="1"/>
+            <a:r>
+              <a:rPr lang="en-US" altLang="zh-CN" dirty="0" smtClean="0"/>
+              <a:t>Yarn.nodemanager.log-</a:t>
+            </a:r>
+            <a:r>
+              <a:rPr lang="en-US" altLang="zh-CN" dirty="0" err="1" smtClean="0"/>
+              <a:t>dirs</a:t>
+            </a:r>
+            <a:r>
+              <a:rPr lang="zh-CN" altLang="en-US" dirty="0" smtClean="0"/>
+              <a:t>配置日志目录，是</a:t>
+            </a:r>
+            <a:r>
+              <a:rPr lang="en-US" altLang="zh-CN" dirty="0" smtClean="0"/>
+              <a:t>container</a:t>
+            </a:r>
+            <a:r>
+              <a:rPr lang="zh-CN" altLang="en-US" dirty="0" smtClean="0"/>
+              <a:t>的运行日志</a:t>
+            </a:r>
+            <a:endParaRPr lang="en-US" altLang="zh-CN" dirty="0" smtClean="0"/>
+          </a:p>
+          <a:p>
+            <a:pPr lvl="1"/>
+            <a:r>
+              <a:rPr lang="zh-CN" altLang="en-US" dirty="0" smtClean="0"/>
+              <a:t>三类日志输出：</a:t>
+            </a:r>
+            <a:r>
+              <a:rPr lang="en-US" altLang="zh-CN" dirty="0" err="1" smtClean="0"/>
+              <a:t>stdout</a:t>
+            </a:r>
+            <a:r>
+              <a:rPr lang="zh-CN" altLang="en-US" dirty="0" smtClean="0"/>
+              <a:t>，</a:t>
+            </a:r>
+            <a:r>
+              <a:rPr lang="en-US" altLang="zh-CN" dirty="0" smtClean="0"/>
+              <a:t>syslog</a:t>
+            </a:r>
+            <a:r>
+              <a:rPr lang="zh-CN" altLang="en-US" dirty="0" smtClean="0"/>
+              <a:t>，</a:t>
+            </a:r>
+            <a:r>
+              <a:rPr lang="en-US" altLang="zh-CN" dirty="0" smtClean="0"/>
+              <a:t>syslog</a:t>
+            </a:r>
+          </a:p>
+          <a:p>
+            <a:pPr lvl="1"/>
+            <a:r>
+              <a:rPr lang="zh-CN" altLang="en-US" dirty="0" smtClean="0"/>
+              <a:t>定期清理，</a:t>
+            </a:r>
+            <a:r>
+              <a:rPr lang="en-US" altLang="zh-CN" dirty="0" err="1" smtClean="0"/>
+              <a:t>LogHandler</a:t>
+            </a:r>
+            <a:r>
+              <a:rPr lang="zh-CN" altLang="en-US" dirty="0" smtClean="0"/>
+              <a:t>，默认</a:t>
+            </a:r>
+            <a:r>
+              <a:rPr lang="en-US" altLang="zh-CN" dirty="0" smtClean="0"/>
+              <a:t>3</a:t>
+            </a:r>
+            <a:r>
+              <a:rPr lang="zh-CN" altLang="en-US" dirty="0" smtClean="0"/>
+              <a:t>小时</a:t>
+            </a:r>
+            <a:endParaRPr lang="en-US" altLang="zh-CN" dirty="0" smtClean="0"/>
+          </a:p>
+          <a:p>
+            <a:pPr lvl="1"/>
+            <a:r>
+              <a:rPr lang="zh-CN" altLang="en-US" dirty="0" smtClean="0"/>
+              <a:t>程序结束时，日志上传到</a:t>
+            </a:r>
+            <a:r>
+              <a:rPr lang="en-US" altLang="zh-CN" dirty="0" smtClean="0"/>
+              <a:t>HDFS</a:t>
+            </a:r>
+          </a:p>
+          <a:p>
+            <a:pPr lvl="1"/>
+            <a:endParaRPr lang="en-US" altLang="zh-CN" dirty="0" smtClean="0"/>
+          </a:p>
+          <a:p>
+            <a:pPr lvl="1"/>
             <a:endParaRPr lang="zh-CN" altLang="en-US" dirty="0"/>
           </a:p>
         </p:txBody>
@@ -24297,7 +24465,7 @@
     </p:spTree>
     <p:extLst>
       <p:ext uri="{BB962C8B-B14F-4D97-AF65-F5344CB8AC3E}">
-        <p14:creationId xmlns:p14="http://schemas.microsoft.com/office/powerpoint/2010/main" val="1701921554"/>
+        <p14:creationId xmlns:p14="http://schemas.microsoft.com/office/powerpoint/2010/main" val="1749913084"/>
       </p:ext>
     </p:extLst>
   </p:cSld>
@@ -24348,6 +24516,89 @@
           <a:p>
             <a:r>
               <a:rPr lang="en-US" altLang="zh-CN" dirty="0" err="1" smtClean="0"/>
+              <a:t>MRAppMaster</a:t>
+            </a:r>
+            <a:endParaRPr lang="zh-CN" altLang="en-US" dirty="0"/>
+          </a:p>
+        </p:txBody>
+      </p:sp>
+      <p:sp>
+        <p:nvSpPr>
+          <p:cNvPr id="3" name="文本占位符 2"/>
+          <p:cNvSpPr>
+            <a:spLocks noGrp="1"/>
+          </p:cNvSpPr>
+          <p:nvPr>
+            <p:ph type="body" idx="1"/>
+          </p:nvPr>
+        </p:nvSpPr>
+        <p:spPr/>
+        <p:txBody>
+          <a:bodyPr/>
+          <a:lstStyle/>
+          <a:p>
+            <a:r>
+              <a:rPr lang="en-US" altLang="zh-CN" dirty="0" err="1" smtClean="0"/>
+              <a:t>loull</a:t>
+            </a:r>
+            <a:endParaRPr lang="zh-CN" altLang="en-US" dirty="0"/>
+          </a:p>
+        </p:txBody>
+      </p:sp>
+    </p:spTree>
+    <p:extLst>
+      <p:ext uri="{BB962C8B-B14F-4D97-AF65-F5344CB8AC3E}">
+        <p14:creationId xmlns:p14="http://schemas.microsoft.com/office/powerpoint/2010/main" val="1701921554"/>
+      </p:ext>
+    </p:extLst>
+  </p:cSld>
+  <p:clrMapOvr>
+    <a:masterClrMapping/>
+  </p:clrMapOvr>
+  <p:timing>
+    <p:tnLst>
+      <p:par>
+        <p:cTn id="1" dur="indefinite" restart="never" nodeType="tmRoot"/>
+      </p:par>
+    </p:tnLst>
+  </p:timing>
+</p:sld>
+</file>
+
+<file path=ppt/slides/slide56.xml><?xml version="1.0" encoding="utf-8"?>
+<p:sld xmlns:a="http://schemas.openxmlformats.org/drawingml/2006/main" xmlns:r="http://schemas.openxmlformats.org/officeDocument/2006/relationships" xmlns:p="http://schemas.openxmlformats.org/presentationml/2006/main">
+  <p:cSld>
+    <p:spTree>
+      <p:nvGrpSpPr>
+        <p:cNvPr id="1" name=""/>
+        <p:cNvGrpSpPr/>
+        <p:nvPr/>
+      </p:nvGrpSpPr>
+      <p:grpSpPr>
+        <a:xfrm>
+          <a:off x="0" y="0"/>
+          <a:ext cx="0" cy="0"/>
+          <a:chOff x="0" y="0"/>
+          <a:chExt cx="0" cy="0"/>
+        </a:xfrm>
+      </p:grpSpPr>
+      <p:sp>
+        <p:nvSpPr>
+          <p:cNvPr id="2" name="标题 1"/>
+          <p:cNvSpPr>
+            <a:spLocks noGrp="1"/>
+          </p:cNvSpPr>
+          <p:nvPr>
+            <p:ph type="title"/>
+          </p:nvPr>
+        </p:nvSpPr>
+        <p:spPr/>
+        <p:txBody>
+          <a:bodyPr/>
+          <a:lstStyle/>
+          <a:p>
+            <a:r>
+              <a:rPr lang="en-US" altLang="zh-CN" dirty="0" err="1" smtClean="0"/>
               <a:t>MRAppManager</a:t>
             </a:r>
             <a:endParaRPr lang="zh-CN" altLang="en-US" dirty="0"/>
@@ -24460,7 +24711,7 @@
 </p:sld>
 </file>
 
-<file path=ppt/slides/slide56.xml><?xml version="1.0" encoding="utf-8"?>
+<file path=ppt/slides/slide57.xml><?xml version="1.0" encoding="utf-8"?>
 <p:sld xmlns:a="http://schemas.openxmlformats.org/drawingml/2006/main" xmlns:r="http://schemas.openxmlformats.org/officeDocument/2006/relationships" xmlns:p="http://schemas.openxmlformats.org/presentationml/2006/main">
   <p:cSld>
     <p:spTree>
@@ -24878,7 +25129,7 @@
 </p:sld>
 </file>
 
-<file path=ppt/slides/slide57.xml><?xml version="1.0" encoding="utf-8"?>
+<file path=ppt/slides/slide58.xml><?xml version="1.0" encoding="utf-8"?>
 <p:sld xmlns:a="http://schemas.openxmlformats.org/drawingml/2006/main" xmlns:r="http://schemas.openxmlformats.org/officeDocument/2006/relationships" xmlns:p="http://schemas.openxmlformats.org/presentationml/2006/main">
   <p:cSld>
     <p:spTree>
@@ -25301,383 +25552,6 @@
 </p:sld>
 </file>
 
-<file path=ppt/slides/slide58.xml><?xml version="1.0" encoding="utf-8"?>
-<p:sld xmlns:a="http://schemas.openxmlformats.org/drawingml/2006/main" xmlns:r="http://schemas.openxmlformats.org/officeDocument/2006/relationships" xmlns:p="http://schemas.openxmlformats.org/presentationml/2006/main">
-  <p:cSld>
-    <p:spTree>
-      <p:nvGrpSpPr>
-        <p:cNvPr id="1" name=""/>
-        <p:cNvGrpSpPr/>
-        <p:nvPr/>
-      </p:nvGrpSpPr>
-      <p:grpSpPr>
-        <a:xfrm>
-          <a:off x="0" y="0"/>
-          <a:ext cx="0" cy="0"/>
-          <a:chOff x="0" y="0"/>
-          <a:chExt cx="0" cy="0"/>
-        </a:xfrm>
-      </p:grpSpPr>
-      <p:sp>
-        <p:nvSpPr>
-          <p:cNvPr id="2" name="标题 1"/>
-          <p:cNvSpPr>
-            <a:spLocks noGrp="1"/>
-          </p:cNvSpPr>
-          <p:nvPr>
-            <p:ph type="title"/>
-          </p:nvPr>
-        </p:nvSpPr>
-        <p:spPr/>
-        <p:txBody>
-          <a:bodyPr/>
-          <a:lstStyle/>
-          <a:p>
-            <a:r>
-              <a:rPr lang="en-US" altLang="zh-CN" dirty="0" err="1" smtClean="0"/>
-              <a:t>MRAppMaster</a:t>
-            </a:r>
-            <a:r>
-              <a:rPr lang="zh-CN" altLang="en-US" dirty="0" smtClean="0"/>
-              <a:t>启动过程</a:t>
-            </a:r>
-            <a:endParaRPr lang="zh-CN" altLang="en-US" dirty="0"/>
-          </a:p>
-        </p:txBody>
-      </p:sp>
-      <p:sp>
-        <p:nvSpPr>
-          <p:cNvPr id="3" name="内容占位符 2"/>
-          <p:cNvSpPr>
-            <a:spLocks noGrp="1"/>
-          </p:cNvSpPr>
-          <p:nvPr>
-            <p:ph idx="1"/>
-          </p:nvPr>
-        </p:nvSpPr>
-        <p:spPr/>
-        <p:txBody>
-          <a:bodyPr>
-            <a:normAutofit lnSpcReduction="10000"/>
-          </a:bodyPr>
-          <a:lstStyle/>
-          <a:p>
-            <a:r>
-              <a:rPr lang="en-US" altLang="zh-CN" dirty="0" smtClean="0"/>
-              <a:t>Main(){</a:t>
-            </a:r>
-          </a:p>
-          <a:p>
-            <a:pPr marL="457200" lvl="1" indent="0">
-              <a:buNone/>
-            </a:pPr>
-            <a:r>
-              <a:rPr lang="zh-CN" altLang="en-US" dirty="0" smtClean="0"/>
-              <a:t>获取必须信息，准备环境。</a:t>
-            </a:r>
-            <a:endParaRPr lang="en-US" altLang="zh-CN" dirty="0" smtClean="0"/>
-          </a:p>
-          <a:p>
-            <a:pPr marL="457200" lvl="1" indent="0">
-              <a:buNone/>
-            </a:pPr>
-            <a:r>
-              <a:rPr lang="en-US" altLang="zh-CN" dirty="0" err="1" smtClean="0"/>
-              <a:t>containerId</a:t>
-            </a:r>
-            <a:r>
-              <a:rPr lang="zh-CN" altLang="en-US" dirty="0" smtClean="0"/>
-              <a:t>，</a:t>
-            </a:r>
-            <a:r>
-              <a:rPr lang="en-US" altLang="zh-CN" dirty="0"/>
-              <a:t> </a:t>
-            </a:r>
-            <a:r>
-              <a:rPr lang="en-US" altLang="zh-CN" dirty="0" err="1" smtClean="0"/>
-              <a:t>applicationAttemptId</a:t>
-            </a:r>
-            <a:r>
-              <a:rPr lang="zh-CN" altLang="en-US" dirty="0" smtClean="0"/>
-              <a:t>，</a:t>
-            </a:r>
-            <a:r>
-              <a:rPr lang="en-US" altLang="zh-CN" dirty="0"/>
-              <a:t> </a:t>
-            </a:r>
-            <a:r>
-              <a:rPr lang="en-US" altLang="zh-CN" dirty="0" err="1"/>
-              <a:t>jobUserName</a:t>
-            </a:r>
-            <a:endParaRPr lang="en-US" altLang="zh-CN" dirty="0" smtClean="0"/>
-          </a:p>
-          <a:p>
-            <a:pPr marL="457200" lvl="1" indent="0">
-              <a:buNone/>
-            </a:pPr>
-            <a:r>
-              <a:rPr lang="en-US" altLang="zh-CN" dirty="0" err="1"/>
-              <a:t>JobConf</a:t>
-            </a:r>
-            <a:r>
-              <a:rPr lang="en-US" altLang="zh-CN" dirty="0"/>
-              <a:t> </a:t>
-            </a:r>
-            <a:r>
-              <a:rPr lang="en-US" altLang="zh-CN" dirty="0" err="1"/>
-              <a:t>conf</a:t>
-            </a:r>
-            <a:r>
-              <a:rPr lang="en-US" altLang="zh-CN" dirty="0"/>
-              <a:t> = new </a:t>
-            </a:r>
-            <a:r>
-              <a:rPr lang="en-US" altLang="zh-CN" dirty="0" err="1"/>
-              <a:t>JobConf</a:t>
-            </a:r>
-            <a:r>
-              <a:rPr lang="en-US" altLang="zh-CN" dirty="0"/>
-              <a:t>(new </a:t>
-            </a:r>
-            <a:r>
-              <a:rPr lang="en-US" altLang="zh-CN" dirty="0" err="1"/>
-              <a:t>YarnConfiguration</a:t>
-            </a:r>
-            <a:r>
-              <a:rPr lang="en-US" altLang="zh-CN" dirty="0"/>
-              <a:t>());</a:t>
-            </a:r>
-          </a:p>
-          <a:p>
-            <a:pPr marL="457200" lvl="1" indent="0">
-              <a:buNone/>
-            </a:pPr>
-            <a:r>
-              <a:rPr lang="en-US" altLang="zh-CN" dirty="0" err="1" smtClean="0"/>
-              <a:t>conf.addResource</a:t>
-            </a:r>
-            <a:r>
-              <a:rPr lang="en-US" altLang="zh-CN" dirty="0" smtClean="0"/>
-              <a:t>(new </a:t>
-            </a:r>
-            <a:r>
-              <a:rPr lang="en-US" altLang="zh-CN" dirty="0"/>
-              <a:t>Path(</a:t>
-            </a:r>
-            <a:r>
-              <a:rPr lang="en-US" altLang="zh-CN" dirty="0" err="1"/>
-              <a:t>MRJobConfig.JOB_CONF_FILE</a:t>
-            </a:r>
-            <a:r>
-              <a:rPr lang="en-US" altLang="zh-CN" dirty="0" smtClean="0"/>
-              <a:t>));</a:t>
-            </a:r>
-          </a:p>
-          <a:p>
-            <a:pPr marL="457200" lvl="1" indent="0">
-              <a:buNone/>
-            </a:pPr>
-            <a:r>
-              <a:rPr lang="en-US" altLang="zh-CN" dirty="0" err="1"/>
-              <a:t>initAndStartAppMaster</a:t>
-            </a:r>
-            <a:r>
-              <a:rPr lang="en-US" altLang="zh-CN" dirty="0"/>
-              <a:t>(</a:t>
-            </a:r>
-            <a:r>
-              <a:rPr lang="en-US" altLang="zh-CN" dirty="0" err="1"/>
-              <a:t>appMaster</a:t>
-            </a:r>
-            <a:r>
-              <a:rPr lang="en-US" altLang="zh-CN" dirty="0"/>
-              <a:t>, </a:t>
-            </a:r>
-            <a:r>
-              <a:rPr lang="en-US" altLang="zh-CN" dirty="0" err="1"/>
-              <a:t>conf</a:t>
-            </a:r>
-            <a:r>
-              <a:rPr lang="en-US" altLang="zh-CN" dirty="0"/>
-              <a:t>, </a:t>
-            </a:r>
-            <a:r>
-              <a:rPr lang="en-US" altLang="zh-CN" dirty="0" err="1"/>
-              <a:t>jobUserName</a:t>
-            </a:r>
-            <a:r>
-              <a:rPr lang="en-US" altLang="zh-CN" dirty="0" smtClean="0"/>
-              <a:t>);</a:t>
-            </a:r>
-          </a:p>
-          <a:p>
-            <a:pPr marL="457200" lvl="1" indent="0">
-              <a:buNone/>
-            </a:pPr>
-            <a:r>
-              <a:rPr lang="en-US" altLang="zh-CN" dirty="0"/>
-              <a:t>	</a:t>
-            </a:r>
-            <a:r>
-              <a:rPr lang="zh-CN" altLang="en-US" dirty="0" smtClean="0"/>
-              <a:t>用一个新线程启动</a:t>
-            </a:r>
-            <a:endParaRPr lang="en-US" altLang="zh-CN" dirty="0" smtClean="0"/>
-          </a:p>
-          <a:p>
-            <a:pPr marL="457200" lvl="1" indent="0">
-              <a:buNone/>
-            </a:pPr>
-            <a:r>
-              <a:rPr lang="en-US" altLang="zh-CN" dirty="0"/>
-              <a:t>	</a:t>
-            </a:r>
-            <a:r>
-              <a:rPr lang="en-US" altLang="zh-CN" dirty="0" err="1"/>
-              <a:t>appMaster.init</a:t>
-            </a:r>
-            <a:r>
-              <a:rPr lang="en-US" altLang="zh-CN" dirty="0"/>
-              <a:t>(</a:t>
-            </a:r>
-            <a:r>
-              <a:rPr lang="en-US" altLang="zh-CN" dirty="0" err="1"/>
-              <a:t>conf</a:t>
-            </a:r>
-            <a:r>
-              <a:rPr lang="en-US" altLang="zh-CN" dirty="0" smtClean="0"/>
-              <a:t>);//</a:t>
-            </a:r>
-            <a:r>
-              <a:rPr lang="zh-CN" altLang="en-US" dirty="0" smtClean="0"/>
-              <a:t>初始化准备服务组件</a:t>
-            </a:r>
-            <a:endParaRPr lang="en-US" altLang="zh-CN" dirty="0"/>
-          </a:p>
-          <a:p>
-            <a:pPr marL="457200" lvl="1" indent="0">
-              <a:buNone/>
-            </a:pPr>
-            <a:r>
-              <a:rPr lang="en-US" altLang="zh-CN" dirty="0"/>
-              <a:t>       </a:t>
-            </a:r>
-            <a:r>
-              <a:rPr lang="en-US" altLang="zh-CN" dirty="0" err="1" smtClean="0">
-                <a:solidFill>
-                  <a:srgbClr val="0070C0"/>
-                </a:solidFill>
-              </a:rPr>
-              <a:t>appMaster.start</a:t>
-            </a:r>
-            <a:r>
-              <a:rPr lang="en-US" altLang="zh-CN" dirty="0" smtClean="0">
-                <a:solidFill>
-                  <a:srgbClr val="0070C0"/>
-                </a:solidFill>
-              </a:rPr>
-              <a:t>()</a:t>
-            </a:r>
-            <a:r>
-              <a:rPr lang="en-US" altLang="zh-CN" dirty="0" smtClean="0"/>
-              <a:t>;//</a:t>
-            </a:r>
-            <a:r>
-              <a:rPr lang="zh-CN" altLang="en-US" dirty="0" smtClean="0"/>
-              <a:t>创建并持有</a:t>
-            </a:r>
-            <a:r>
-              <a:rPr lang="en-US" altLang="zh-CN" dirty="0" smtClean="0"/>
-              <a:t>Job</a:t>
-            </a:r>
-            <a:r>
-              <a:rPr lang="zh-CN" altLang="en-US" dirty="0" smtClean="0"/>
-              <a:t>状态机，启动服务。。</a:t>
-            </a:r>
-            <a:endParaRPr lang="en-US" altLang="zh-CN" dirty="0" smtClean="0"/>
-          </a:p>
-          <a:p>
-            <a:pPr marL="457200" lvl="1" indent="0">
-              <a:buNone/>
-            </a:pPr>
-            <a:r>
-              <a:rPr lang="en-US" altLang="zh-CN" dirty="0" smtClean="0"/>
-              <a:t>	  //</a:t>
-            </a:r>
-            <a:r>
-              <a:rPr lang="zh-CN" altLang="en-US" dirty="0" smtClean="0"/>
-              <a:t>发送</a:t>
-            </a:r>
-            <a:r>
-              <a:rPr lang="en-US" altLang="zh-CN" dirty="0" smtClean="0"/>
-              <a:t>JOB_INIT</a:t>
-            </a:r>
-            <a:r>
-              <a:rPr lang="zh-CN" altLang="en-US" dirty="0" smtClean="0"/>
-              <a:t>事件，同步处理，创建</a:t>
-            </a:r>
-            <a:r>
-              <a:rPr lang="en-US" altLang="zh-CN" dirty="0" err="1" smtClean="0"/>
-              <a:t>MapTask</a:t>
-            </a:r>
-            <a:r>
-              <a:rPr lang="zh-CN" altLang="en-US" dirty="0" smtClean="0"/>
-              <a:t>，</a:t>
-            </a:r>
-            <a:r>
-              <a:rPr lang="en-US" altLang="zh-CN" dirty="0" err="1" smtClean="0"/>
-              <a:t>ReduceTask</a:t>
-            </a:r>
-            <a:r>
-              <a:rPr lang="zh-CN" altLang="en-US" dirty="0"/>
-              <a:t>状态机</a:t>
-            </a:r>
-            <a:endParaRPr lang="en-US" altLang="zh-CN" dirty="0" smtClean="0"/>
-          </a:p>
-          <a:p>
-            <a:pPr marL="457200" lvl="1" indent="0">
-              <a:buNone/>
-            </a:pPr>
-            <a:r>
-              <a:rPr lang="en-US" altLang="zh-CN" dirty="0" smtClean="0"/>
-              <a:t>	  //</a:t>
-            </a:r>
-            <a:r>
-              <a:rPr lang="zh-CN" altLang="en-US" dirty="0" smtClean="0"/>
-              <a:t>发送</a:t>
-            </a:r>
-            <a:r>
-              <a:rPr lang="en-US" altLang="zh-CN" dirty="0" smtClean="0"/>
-              <a:t>JOB_START</a:t>
-            </a:r>
-            <a:r>
-              <a:rPr lang="zh-CN" altLang="en-US" dirty="0" smtClean="0"/>
-              <a:t>事件</a:t>
-            </a:r>
-            <a:endParaRPr lang="zh-CN" altLang="en-US" dirty="0"/>
-          </a:p>
-        </p:txBody>
-      </p:sp>
-    </p:spTree>
-    <p:extLst>
-      <p:ext uri="{BB962C8B-B14F-4D97-AF65-F5344CB8AC3E}">
-        <p14:creationId xmlns:p14="http://schemas.microsoft.com/office/powerpoint/2010/main" val="3484232274"/>
-      </p:ext>
-    </p:extLst>
-  </p:cSld>
-  <p:clrMapOvr>
-    <a:masterClrMapping/>
-  </p:clrMapOvr>
-  <p:timing>
-    <p:tnLst>
-      <p:par>
-        <p:cTn id="1" dur="indefinite" restart="never" nodeType="tmRoot"/>
-      </p:par>
-    </p:tnLst>
-  </p:timing>
-</p:sld>
-</file>
-
 <file path=ppt/slides/slide59.xml><?xml version="1.0" encoding="utf-8"?>
 <p:sld xmlns:a="http://schemas.openxmlformats.org/drawingml/2006/main" xmlns:r="http://schemas.openxmlformats.org/officeDocument/2006/relationships" xmlns:p="http://schemas.openxmlformats.org/presentationml/2006/main">
   <p:cSld>
@@ -25712,11 +25586,11 @@
           <a:p>
             <a:r>
               <a:rPr lang="en-US" altLang="zh-CN" dirty="0" err="1" smtClean="0"/>
-              <a:t>YarnChild</a:t>
-            </a:r>
-            <a:r>
-              <a:rPr lang="zh-CN" altLang="en-US" dirty="0" smtClean="0"/>
-              <a:t>启动</a:t>
+              <a:t>MRAppMaster</a:t>
+            </a:r>
+            <a:r>
+              <a:rPr lang="zh-CN" altLang="en-US" dirty="0" smtClean="0"/>
+              <a:t>启动过程</a:t>
             </a:r>
             <a:endParaRPr lang="zh-CN" altLang="en-US" dirty="0"/>
           </a:p>
@@ -25732,21 +25606,16 @@
             <p:ph idx="1"/>
           </p:nvPr>
         </p:nvSpPr>
-        <p:spPr>
-          <a:xfrm>
-            <a:off x="838200" y="1323833"/>
-            <a:ext cx="10515600" cy="4853130"/>
-          </a:xfrm>
-        </p:spPr>
+        <p:spPr/>
         <p:txBody>
           <a:bodyPr>
-            <a:normAutofit fontScale="92500"/>
+            <a:normAutofit lnSpcReduction="10000"/>
           </a:bodyPr>
           <a:lstStyle/>
           <a:p>
             <a:r>
               <a:rPr lang="en-US" altLang="zh-CN" dirty="0" smtClean="0"/>
-              <a:t>Main() {</a:t>
+              <a:t>Main(){</a:t>
             </a:r>
           </a:p>
           <a:p>
@@ -25754,94 +25623,203 @@
               <a:buNone/>
             </a:pPr>
             <a:r>
-              <a:rPr lang="en-US" altLang="zh-CN" dirty="0" err="1" smtClean="0"/>
-              <a:t>JVMId</a:t>
-            </a:r>
-            <a:r>
-              <a:rPr lang="en-US" altLang="zh-CN" dirty="0" smtClean="0"/>
-              <a:t> </a:t>
-            </a:r>
-            <a:r>
-              <a:rPr lang="en-US" altLang="zh-CN" dirty="0" err="1">
-                <a:solidFill>
-                  <a:srgbClr val="0070C0"/>
-                </a:solidFill>
-              </a:rPr>
-              <a:t>jvmId</a:t>
-            </a:r>
-            <a:r>
-              <a:rPr lang="en-US" altLang="zh-CN" dirty="0">
-                <a:solidFill>
-                  <a:srgbClr val="0070C0"/>
-                </a:solidFill>
-              </a:rPr>
-              <a:t> </a:t>
-            </a:r>
-            <a:r>
-              <a:rPr lang="en-US" altLang="zh-CN" dirty="0"/>
-              <a:t>= new </a:t>
-            </a:r>
-            <a:r>
-              <a:rPr lang="en-US" altLang="zh-CN" dirty="0" err="1"/>
-              <a:t>JVMId</a:t>
-            </a:r>
-            <a:r>
-              <a:rPr lang="en-US" altLang="zh-CN" dirty="0"/>
-              <a:t>(</a:t>
-            </a:r>
-            <a:r>
-              <a:rPr lang="en-US" altLang="zh-CN" dirty="0" err="1"/>
-              <a:t>firstTaskid.getJobID</a:t>
-            </a:r>
-            <a:r>
-              <a:rPr lang="en-US" altLang="zh-CN" dirty="0"/>
-              <a:t>(),</a:t>
-            </a:r>
+              <a:rPr lang="zh-CN" altLang="en-US" dirty="0" smtClean="0"/>
+              <a:t>获取必须信息，准备环境。</a:t>
+            </a:r>
+            <a:endParaRPr lang="en-US" altLang="zh-CN" dirty="0" smtClean="0"/>
           </a:p>
           <a:p>
             <a:pPr marL="457200" lvl="1" indent="0">
               <a:buNone/>
             </a:pPr>
             <a:r>
+              <a:rPr lang="en-US" altLang="zh-CN" dirty="0" err="1" smtClean="0"/>
+              <a:t>containerId</a:t>
+            </a:r>
+            <a:r>
+              <a:rPr lang="zh-CN" altLang="en-US" dirty="0" smtClean="0"/>
+              <a:t>，</a:t>
+            </a:r>
+            <a:r>
               <a:rPr lang="en-US" altLang="zh-CN" dirty="0"/>
-              <a:t>        </a:t>
+              <a:t> </a:t>
+            </a:r>
+            <a:r>
+              <a:rPr lang="en-US" altLang="zh-CN" dirty="0" err="1" smtClean="0"/>
+              <a:t>applicationAttemptId</a:t>
+            </a:r>
+            <a:r>
+              <a:rPr lang="zh-CN" altLang="en-US" dirty="0" smtClean="0"/>
+              <a:t>，</a:t>
+            </a:r>
+            <a:r>
+              <a:rPr lang="en-US" altLang="zh-CN" dirty="0"/>
+              <a:t> </a:t>
             </a:r>
             <a:r>
               <a:rPr lang="en-US" altLang="zh-CN" dirty="0" err="1"/>
-              <a:t>firstTaskid.getTaskType</a:t>
-            </a:r>
-            <a:r>
-              <a:rPr lang="en-US" altLang="zh-CN" dirty="0"/>
-              <a:t>() == </a:t>
-            </a:r>
-            <a:r>
-              <a:rPr lang="en-US" altLang="zh-CN" dirty="0" err="1"/>
-              <a:t>TaskType.MAP</a:t>
-            </a:r>
-            <a:r>
-              <a:rPr lang="en-US" altLang="zh-CN" dirty="0"/>
-              <a:t>, </a:t>
-            </a:r>
-            <a:r>
-              <a:rPr lang="en-US" altLang="zh-CN" dirty="0" err="1"/>
-              <a:t>jvmIdInt</a:t>
-            </a:r>
-            <a:r>
-              <a:rPr lang="en-US" altLang="zh-CN" dirty="0"/>
-              <a:t>);</a:t>
-            </a:r>
+              <a:t>jobUserName</a:t>
+            </a:r>
+            <a:endParaRPr lang="en-US" altLang="zh-CN" dirty="0" smtClean="0"/>
           </a:p>
           <a:p>
             <a:pPr marL="457200" lvl="1" indent="0">
               <a:buNone/>
             </a:pPr>
+            <a:r>
+              <a:rPr lang="en-US" altLang="zh-CN" dirty="0" err="1"/>
+              <a:t>JobConf</a:t>
+            </a:r>
+            <a:r>
+              <a:rPr lang="en-US" altLang="zh-CN" dirty="0"/>
+              <a:t> </a:t>
+            </a:r>
+            <a:r>
+              <a:rPr lang="en-US" altLang="zh-CN" dirty="0" err="1"/>
+              <a:t>conf</a:t>
+            </a:r>
+            <a:r>
+              <a:rPr lang="en-US" altLang="zh-CN" dirty="0"/>
+              <a:t> = new </a:t>
+            </a:r>
+            <a:r>
+              <a:rPr lang="en-US" altLang="zh-CN" dirty="0" err="1"/>
+              <a:t>JobConf</a:t>
+            </a:r>
+            <a:r>
+              <a:rPr lang="en-US" altLang="zh-CN" dirty="0"/>
+              <a:t>(new </a:t>
+            </a:r>
+            <a:r>
+              <a:rPr lang="en-US" altLang="zh-CN" dirty="0" err="1"/>
+              <a:t>YarnConfiguration</a:t>
+            </a:r>
+            <a:r>
+              <a:rPr lang="en-US" altLang="zh-CN" dirty="0"/>
+              <a:t>());</a:t>
+            </a:r>
+          </a:p>
+          <a:p>
+            <a:pPr marL="457200" lvl="1" indent="0">
+              <a:buNone/>
+            </a:pPr>
+            <a:r>
+              <a:rPr lang="en-US" altLang="zh-CN" dirty="0" err="1" smtClean="0"/>
+              <a:t>conf.addResource</a:t>
+            </a:r>
+            <a:r>
+              <a:rPr lang="en-US" altLang="zh-CN" dirty="0" smtClean="0"/>
+              <a:t>(new </a:t>
+            </a:r>
+            <a:r>
+              <a:rPr lang="en-US" altLang="zh-CN" dirty="0"/>
+              <a:t>Path(</a:t>
+            </a:r>
+            <a:r>
+              <a:rPr lang="en-US" altLang="zh-CN" dirty="0" err="1"/>
+              <a:t>MRJobConfig.JOB_CONF_FILE</a:t>
+            </a:r>
+            <a:r>
+              <a:rPr lang="en-US" altLang="zh-CN" dirty="0" smtClean="0"/>
+              <a:t>));</a:t>
+            </a:r>
+          </a:p>
+          <a:p>
+            <a:pPr marL="457200" lvl="1" indent="0">
+              <a:buNone/>
+            </a:pPr>
+            <a:r>
+              <a:rPr lang="en-US" altLang="zh-CN" dirty="0" err="1"/>
+              <a:t>initAndStartAppMaster</a:t>
+            </a:r>
+            <a:r>
+              <a:rPr lang="en-US" altLang="zh-CN" dirty="0"/>
+              <a:t>(</a:t>
+            </a:r>
+            <a:r>
+              <a:rPr lang="en-US" altLang="zh-CN" dirty="0" err="1"/>
+              <a:t>appMaster</a:t>
+            </a:r>
+            <a:r>
+              <a:rPr lang="en-US" altLang="zh-CN" dirty="0"/>
+              <a:t>, </a:t>
+            </a:r>
+            <a:r>
+              <a:rPr lang="en-US" altLang="zh-CN" dirty="0" err="1"/>
+              <a:t>conf</a:t>
+            </a:r>
+            <a:r>
+              <a:rPr lang="en-US" altLang="zh-CN" dirty="0"/>
+              <a:t>, </a:t>
+            </a:r>
+            <a:r>
+              <a:rPr lang="en-US" altLang="zh-CN" dirty="0" err="1"/>
+              <a:t>jobUserName</a:t>
+            </a:r>
+            <a:r>
+              <a:rPr lang="en-US" altLang="zh-CN" dirty="0" smtClean="0"/>
+              <a:t>);</a:t>
+            </a:r>
+          </a:p>
+          <a:p>
+            <a:pPr marL="457200" lvl="1" indent="0">
+              <a:buNone/>
+            </a:pPr>
+            <a:r>
+              <a:rPr lang="en-US" altLang="zh-CN" dirty="0"/>
+              <a:t>	</a:t>
+            </a:r>
+            <a:r>
+              <a:rPr lang="zh-CN" altLang="en-US" dirty="0" smtClean="0"/>
+              <a:t>用一个新线程启动</a:t>
+            </a:r>
+            <a:endParaRPr lang="en-US" altLang="zh-CN" dirty="0" smtClean="0"/>
+          </a:p>
+          <a:p>
+            <a:pPr marL="457200" lvl="1" indent="0">
+              <a:buNone/>
+            </a:pPr>
+            <a:r>
+              <a:rPr lang="en-US" altLang="zh-CN" dirty="0"/>
+              <a:t>	</a:t>
+            </a:r>
+            <a:r>
+              <a:rPr lang="en-US" altLang="zh-CN" dirty="0" err="1"/>
+              <a:t>appMaster.init</a:t>
+            </a:r>
+            <a:r>
+              <a:rPr lang="en-US" altLang="zh-CN" dirty="0"/>
+              <a:t>(</a:t>
+            </a:r>
+            <a:r>
+              <a:rPr lang="en-US" altLang="zh-CN" dirty="0" err="1"/>
+              <a:t>conf</a:t>
+            </a:r>
+            <a:r>
+              <a:rPr lang="en-US" altLang="zh-CN" dirty="0" smtClean="0"/>
+              <a:t>);//</a:t>
+            </a:r>
+            <a:r>
+              <a:rPr lang="zh-CN" altLang="en-US" dirty="0" smtClean="0"/>
+              <a:t>初始化准备服务组件</a:t>
+            </a:r>
+            <a:endParaRPr lang="en-US" altLang="zh-CN" dirty="0"/>
+          </a:p>
+          <a:p>
+            <a:pPr marL="457200" lvl="1" indent="0">
+              <a:buNone/>
+            </a:pPr>
+            <a:r>
+              <a:rPr lang="en-US" altLang="zh-CN" dirty="0"/>
+              <a:t>       </a:t>
+            </a:r>
             <a:r>
               <a:rPr lang="en-US" altLang="zh-CN" dirty="0" err="1" smtClean="0">
                 <a:solidFill>
                   <a:srgbClr val="0070C0"/>
                 </a:solidFill>
               </a:rPr>
-              <a:t>TaskUmbilicalProtocol</a:t>
+              <a:t>appMaster.start</a:t>
             </a:r>
             <a:r>
               <a:rPr lang="en-US" altLang="zh-CN" dirty="0" smtClean="0">
@@ -25849,27 +25827,23 @@
                   <a:srgbClr val="0070C0"/>
                 </a:solidFill>
               </a:rPr>
-              <a:t> umbilical </a:t>
-            </a:r>
-            <a:r>
-              <a:rPr lang="en-US" altLang="zh-CN" dirty="0" smtClean="0"/>
-              <a:t>=…;///</a:t>
-            </a:r>
-            <a:r>
-              <a:rPr lang="zh-CN" altLang="en-US" dirty="0"/>
-              <a:t>获取一个</a:t>
-            </a:r>
-            <a:r>
-              <a:rPr lang="en-US" altLang="zh-CN" dirty="0" err="1"/>
-              <a:t>TaskUmbilicalProtocol</a:t>
-            </a:r>
-            <a:r>
-              <a:rPr lang="zh-CN" altLang="en-US" dirty="0"/>
-              <a:t>协议</a:t>
-            </a:r>
-            <a:r>
-              <a:rPr lang="zh-CN" altLang="en-US" dirty="0" smtClean="0"/>
-              <a:t>代理</a:t>
+              <a:t>()</a:t>
+            </a:r>
+            <a:r>
+              <a:rPr lang="en-US" altLang="zh-CN" dirty="0" smtClean="0"/>
+              <a:t>;//</a:t>
+            </a:r>
+            <a:r>
+              <a:rPr lang="zh-CN" altLang="en-US" dirty="0" smtClean="0"/>
+              <a:t>创建并持有</a:t>
+            </a:r>
+            <a:r>
+              <a:rPr lang="en-US" altLang="zh-CN" dirty="0" smtClean="0"/>
+              <a:t>Job</a:t>
+            </a:r>
+            <a:r>
+              <a:rPr lang="zh-CN" altLang="en-US" dirty="0" smtClean="0"/>
+              <a:t>状态机，启动服务。。</a:t>
             </a:r>
             <a:endParaRPr lang="en-US" altLang="zh-CN" dirty="0" smtClean="0"/>
           </a:p>
@@ -25878,502 +25852,67 @@
               <a:buNone/>
             </a:pPr>
             <a:r>
-              <a:rPr lang="en-US" altLang="zh-CN" dirty="0" err="1"/>
-              <a:t>JvmContext</a:t>
-            </a:r>
-            <a:r>
-              <a:rPr lang="en-US" altLang="zh-CN" dirty="0"/>
-              <a:t> context = new </a:t>
+              <a:rPr lang="en-US" altLang="zh-CN" dirty="0" smtClean="0"/>
+              <a:t>	  //</a:t>
+            </a:r>
+            <a:r>
+              <a:rPr lang="zh-CN" altLang="en-US" dirty="0" smtClean="0"/>
+              <a:t>发送</a:t>
+            </a:r>
+            <a:r>
+              <a:rPr lang="en-US" altLang="zh-CN" dirty="0" smtClean="0"/>
+              <a:t>JOB_INIT</a:t>
+            </a:r>
+            <a:r>
+              <a:rPr lang="zh-CN" altLang="en-US" dirty="0" smtClean="0"/>
+              <a:t>事件，同步处理，创建</a:t>
             </a:r>
             <a:r>
               <a:rPr lang="en-US" altLang="zh-CN" dirty="0" err="1" smtClean="0"/>
-              <a:t>JvmContext</a:t>
-            </a:r>
-            <a:r>
-              <a:rPr lang="en-US" altLang="zh-CN" dirty="0" smtClean="0"/>
-              <a:t>(</a:t>
+              <a:t>MapTask</a:t>
+            </a:r>
+            <a:r>
+              <a:rPr lang="zh-CN" altLang="en-US" dirty="0" smtClean="0"/>
+              <a:t>，</a:t>
             </a:r>
             <a:r>
               <a:rPr lang="en-US" altLang="zh-CN" dirty="0" err="1" smtClean="0"/>
-              <a:t>jvmId</a:t>
-            </a:r>
-            <a:r>
-              <a:rPr lang="en-US" altLang="zh-CN" dirty="0"/>
-              <a:t>, "-1000</a:t>
-            </a:r>
-            <a:r>
-              <a:rPr lang="en-US" altLang="zh-CN" dirty="0" smtClean="0"/>
-              <a:t>");</a:t>
-            </a:r>
+              <a:t>ReduceTask</a:t>
+            </a:r>
+            <a:r>
+              <a:rPr lang="zh-CN" altLang="en-US" dirty="0"/>
+              <a:t>状态机</a:t>
+            </a:r>
+            <a:endParaRPr lang="en-US" altLang="zh-CN" dirty="0" smtClean="0"/>
           </a:p>
           <a:p>
             <a:pPr marL="457200" lvl="1" indent="0">
               <a:buNone/>
             </a:pPr>
             <a:r>
-              <a:rPr lang="en-US" altLang="zh-CN" dirty="0" err="1" smtClean="0">
-                <a:solidFill>
-                  <a:srgbClr val="FF0000"/>
-                </a:solidFill>
-              </a:rPr>
-              <a:t>JvmTask</a:t>
-            </a:r>
-            <a:r>
-              <a:rPr lang="en-US" altLang="zh-CN" dirty="0" smtClean="0">
-                <a:solidFill>
-                  <a:srgbClr val="FF0000"/>
-                </a:solidFill>
-              </a:rPr>
-              <a:t> </a:t>
-            </a:r>
-            <a:r>
-              <a:rPr lang="en-US" altLang="zh-CN" dirty="0" err="1" smtClean="0">
-                <a:solidFill>
-                  <a:srgbClr val="FF0000"/>
-                </a:solidFill>
-              </a:rPr>
-              <a:t>myTask</a:t>
-            </a:r>
-            <a:r>
-              <a:rPr lang="en-US" altLang="zh-CN" dirty="0" smtClean="0">
-                <a:solidFill>
-                  <a:srgbClr val="FF0000"/>
-                </a:solidFill>
-              </a:rPr>
-              <a:t> </a:t>
-            </a:r>
-            <a:r>
-              <a:rPr lang="en-US" altLang="zh-CN" dirty="0" smtClean="0">
-                <a:solidFill>
-                  <a:srgbClr val="0070C0"/>
-                </a:solidFill>
-              </a:rPr>
-              <a:t>= </a:t>
-            </a:r>
-            <a:r>
-              <a:rPr lang="en-US" altLang="zh-CN" dirty="0" err="1" smtClean="0">
-                <a:solidFill>
-                  <a:srgbClr val="0070C0"/>
-                </a:solidFill>
-              </a:rPr>
-              <a:t>umbilical.getTask</a:t>
-            </a:r>
-            <a:r>
-              <a:rPr lang="en-US" altLang="zh-CN" dirty="0" smtClean="0">
-                <a:solidFill>
-                  <a:srgbClr val="0070C0"/>
-                </a:solidFill>
-              </a:rPr>
-              <a:t>(context)</a:t>
-            </a:r>
-            <a:r>
-              <a:rPr lang="en-US" altLang="zh-CN" dirty="0" smtClean="0">
-                <a:solidFill>
-                  <a:schemeClr val="accent6">
-                    <a:lumMod val="75000"/>
-                  </a:schemeClr>
-                </a:solidFill>
-              </a:rPr>
-              <a:t>;//RPC</a:t>
-            </a:r>
-            <a:r>
-              <a:rPr lang="zh-CN" altLang="en-US" dirty="0" smtClean="0">
-                <a:solidFill>
-                  <a:schemeClr val="accent6">
-                    <a:lumMod val="75000"/>
-                  </a:schemeClr>
-                </a:solidFill>
-              </a:rPr>
-              <a:t>获取</a:t>
-            </a:r>
-            <a:r>
-              <a:rPr lang="en-US" altLang="zh-CN" dirty="0" err="1" smtClean="0">
-                <a:solidFill>
-                  <a:schemeClr val="accent6">
-                    <a:lumMod val="75000"/>
-                  </a:schemeClr>
-                </a:solidFill>
-              </a:rPr>
-              <a:t>Jvm</a:t>
-            </a:r>
-            <a:r>
-              <a:rPr lang="zh-CN" altLang="en-US" dirty="0" smtClean="0">
-                <a:solidFill>
-                  <a:schemeClr val="accent6">
-                    <a:lumMod val="75000"/>
-                  </a:schemeClr>
-                </a:solidFill>
-              </a:rPr>
-              <a:t>任务，封装了</a:t>
-            </a:r>
-            <a:r>
-              <a:rPr lang="en-US" altLang="zh-CN" dirty="0" smtClean="0">
-                <a:solidFill>
-                  <a:schemeClr val="accent6">
-                    <a:lumMod val="75000"/>
-                  </a:schemeClr>
-                </a:solidFill>
-              </a:rPr>
-              <a:t>Task</a:t>
-            </a:r>
-            <a:r>
-              <a:rPr lang="zh-CN" altLang="en-US" dirty="0" smtClean="0">
-                <a:solidFill>
-                  <a:schemeClr val="accent6">
-                    <a:lumMod val="75000"/>
-                  </a:schemeClr>
-                </a:solidFill>
-              </a:rPr>
-              <a:t>任务</a:t>
-            </a:r>
-            <a:endParaRPr lang="en-US" altLang="zh-CN" dirty="0" smtClean="0">
-              <a:solidFill>
-                <a:schemeClr val="accent6">
-                  <a:lumMod val="75000"/>
-                </a:schemeClr>
-              </a:solidFill>
-            </a:endParaRPr>
-          </a:p>
-          <a:p>
-            <a:pPr marL="457200" lvl="1" indent="0">
-              <a:buNone/>
-            </a:pPr>
-            <a:r>
-              <a:rPr lang="en-US" altLang="zh-CN" dirty="0" smtClean="0">
-                <a:solidFill>
-                  <a:srgbClr val="FF0000"/>
-                </a:solidFill>
-              </a:rPr>
-              <a:t>Task </a:t>
-            </a:r>
-            <a:r>
-              <a:rPr lang="en-US" altLang="zh-CN" dirty="0" err="1">
-                <a:solidFill>
-                  <a:srgbClr val="FF0000"/>
-                </a:solidFill>
-              </a:rPr>
-              <a:t>task</a:t>
-            </a:r>
-            <a:r>
-              <a:rPr lang="en-US" altLang="zh-CN" dirty="0">
-                <a:solidFill>
-                  <a:srgbClr val="FF0000"/>
-                </a:solidFill>
-              </a:rPr>
-              <a:t> </a:t>
-            </a:r>
-            <a:r>
-              <a:rPr lang="en-US" altLang="zh-CN" dirty="0"/>
-              <a:t>= </a:t>
-            </a:r>
-            <a:r>
-              <a:rPr lang="en-US" altLang="zh-CN" dirty="0" err="1"/>
-              <a:t>myTask.getTask</a:t>
-            </a:r>
-            <a:r>
-              <a:rPr lang="en-US" altLang="zh-CN" dirty="0" smtClean="0"/>
-              <a:t>();	</a:t>
-            </a:r>
-            <a:r>
-              <a:rPr lang="en-US" altLang="zh-CN" dirty="0" smtClean="0">
-                <a:solidFill>
-                  <a:schemeClr val="accent6">
-                    <a:lumMod val="75000"/>
-                  </a:schemeClr>
-                </a:solidFill>
-              </a:rPr>
-              <a:t>//</a:t>
-            </a:r>
-            <a:r>
-              <a:rPr lang="en-US" altLang="zh-CN" dirty="0" err="1" smtClean="0">
-                <a:solidFill>
-                  <a:schemeClr val="accent6">
-                    <a:lumMod val="75000"/>
-                  </a:schemeClr>
-                </a:solidFill>
-              </a:rPr>
-              <a:t>MapTask</a:t>
-            </a:r>
-            <a:r>
-              <a:rPr lang="en-US" altLang="zh-CN" dirty="0" smtClean="0">
-                <a:solidFill>
-                  <a:schemeClr val="accent6">
-                    <a:lumMod val="75000"/>
-                  </a:schemeClr>
-                </a:solidFill>
-              </a:rPr>
-              <a:t> </a:t>
-            </a:r>
-            <a:r>
-              <a:rPr lang="zh-CN" altLang="en-US" dirty="0" smtClean="0">
-                <a:solidFill>
-                  <a:schemeClr val="accent6">
-                    <a:lumMod val="75000"/>
-                  </a:schemeClr>
-                </a:solidFill>
-              </a:rPr>
-              <a:t>或 </a:t>
-            </a:r>
-            <a:r>
-              <a:rPr lang="en-US" altLang="zh-CN" dirty="0" err="1" smtClean="0">
-                <a:solidFill>
-                  <a:schemeClr val="accent6">
-                    <a:lumMod val="75000"/>
-                  </a:schemeClr>
-                </a:solidFill>
-              </a:rPr>
-              <a:t>ReduceTask</a:t>
-            </a:r>
-            <a:endParaRPr lang="en-US" altLang="zh-CN" dirty="0" smtClean="0">
-              <a:solidFill>
-                <a:schemeClr val="accent6">
-                  <a:lumMod val="75000"/>
-                </a:schemeClr>
-              </a:solidFill>
-            </a:endParaRPr>
-          </a:p>
-          <a:p>
-            <a:pPr marL="457200" lvl="1" indent="0">
-              <a:buNone/>
-            </a:pPr>
-            <a:r>
-              <a:rPr lang="en-US" altLang="zh-CN" dirty="0" err="1" smtClean="0"/>
-              <a:t>YarnChild.taskid</a:t>
-            </a:r>
-            <a:r>
-              <a:rPr lang="en-US" altLang="zh-CN" dirty="0" smtClean="0"/>
-              <a:t> = </a:t>
-            </a:r>
-            <a:r>
-              <a:rPr lang="en-US" altLang="zh-CN" dirty="0" err="1" smtClean="0"/>
-              <a:t>task.getTaskID</a:t>
-            </a:r>
-            <a:r>
-              <a:rPr lang="en-US" altLang="zh-CN" dirty="0" smtClean="0"/>
-              <a:t>();</a:t>
-            </a:r>
-          </a:p>
-          <a:p>
-            <a:pPr marL="457200" lvl="1" indent="0">
-              <a:buNone/>
-            </a:pPr>
-            <a:r>
-              <a:rPr lang="en-US" altLang="zh-CN" i="1" dirty="0" err="1" smtClean="0"/>
-              <a:t>configureTask</a:t>
-            </a:r>
-            <a:r>
-              <a:rPr lang="en-US" altLang="zh-CN" i="1" dirty="0" smtClean="0"/>
-              <a:t>(job</a:t>
-            </a:r>
-            <a:r>
-              <a:rPr lang="en-US" altLang="zh-CN" i="1" dirty="0"/>
-              <a:t>, task, credentials, </a:t>
-            </a:r>
-            <a:r>
-              <a:rPr lang="en-US" altLang="zh-CN" i="1" dirty="0" err="1"/>
-              <a:t>jt</a:t>
-            </a:r>
-            <a:r>
-              <a:rPr lang="en-US" altLang="zh-CN" i="1" dirty="0" smtClean="0"/>
-              <a:t>);</a:t>
-            </a:r>
-          </a:p>
-          <a:p>
-            <a:pPr marL="457200" lvl="1" indent="0">
-              <a:buNone/>
-            </a:pPr>
-            <a:r>
-              <a:rPr lang="en-US" altLang="zh-CN" dirty="0"/>
-              <a:t>Task </a:t>
-            </a:r>
-            <a:r>
-              <a:rPr lang="en-US" altLang="zh-CN" dirty="0" err="1"/>
-              <a:t>taskFinal</a:t>
-            </a:r>
-            <a:r>
-              <a:rPr lang="en-US" altLang="zh-CN" dirty="0"/>
-              <a:t> = task</a:t>
-            </a:r>
-            <a:r>
-              <a:rPr lang="en-US" altLang="zh-CN" dirty="0" smtClean="0"/>
-              <a:t>;</a:t>
-            </a:r>
-          </a:p>
-          <a:p>
-            <a:pPr marL="457200" lvl="1" indent="0">
-              <a:buNone/>
-            </a:pPr>
-            <a:r>
-              <a:rPr lang="en-US" altLang="zh-CN" dirty="0" smtClean="0"/>
-              <a:t>	</a:t>
-            </a:r>
-            <a:r>
-              <a:rPr lang="en-US" altLang="zh-CN" dirty="0" err="1" smtClean="0">
-                <a:solidFill>
-                  <a:srgbClr val="0070C0"/>
-                </a:solidFill>
-              </a:rPr>
-              <a:t>taskFinal.run</a:t>
-            </a:r>
-            <a:r>
-              <a:rPr lang="en-US" altLang="zh-CN" dirty="0" smtClean="0">
-                <a:solidFill>
-                  <a:srgbClr val="0070C0"/>
-                </a:solidFill>
-              </a:rPr>
-              <a:t>(job</a:t>
-            </a:r>
-            <a:r>
-              <a:rPr lang="en-US" altLang="zh-CN" dirty="0">
-                <a:solidFill>
-                  <a:srgbClr val="0070C0"/>
-                </a:solidFill>
-              </a:rPr>
-              <a:t>, umbilical); </a:t>
-            </a:r>
-            <a:r>
-              <a:rPr lang="en-US" altLang="zh-CN" dirty="0">
-                <a:solidFill>
-                  <a:schemeClr val="accent6">
-                    <a:lumMod val="75000"/>
-                  </a:schemeClr>
-                </a:solidFill>
-              </a:rPr>
-              <a:t>// run the task </a:t>
-            </a:r>
-            <a:r>
-              <a:rPr lang="zh-CN" altLang="en-US" dirty="0" smtClean="0">
-                <a:solidFill>
-                  <a:schemeClr val="accent6">
-                    <a:lumMod val="75000"/>
-                  </a:schemeClr>
-                </a:solidFill>
-              </a:rPr>
-              <a:t>异步执行任务</a:t>
-            </a:r>
-            <a:endParaRPr lang="en-US" altLang="zh-CN" dirty="0" smtClean="0">
-              <a:solidFill>
-                <a:schemeClr val="accent6">
-                  <a:lumMod val="75000"/>
-                </a:schemeClr>
-              </a:solidFill>
-            </a:endParaRPr>
-          </a:p>
-          <a:p>
-            <a:pPr marL="457200" lvl="1" indent="0">
-              <a:buNone/>
-            </a:pPr>
-            <a:r>
-              <a:rPr lang="en-US" altLang="zh-CN" dirty="0">
-                <a:solidFill>
-                  <a:schemeClr val="accent6">
-                    <a:lumMod val="75000"/>
-                  </a:schemeClr>
-                </a:solidFill>
-              </a:rPr>
-              <a:t>	</a:t>
-            </a:r>
-            <a:r>
-              <a:rPr lang="en-US" altLang="zh-CN" dirty="0" smtClean="0">
-                <a:solidFill>
-                  <a:schemeClr val="accent6">
-                    <a:lumMod val="75000"/>
-                  </a:schemeClr>
-                </a:solidFill>
-              </a:rPr>
-              <a:t>	……</a:t>
-            </a:r>
-          </a:p>
-          <a:p>
-            <a:pPr marL="457200" lvl="1" indent="0">
-              <a:buNone/>
-            </a:pPr>
-            <a:r>
-              <a:rPr lang="en-US" altLang="zh-CN" dirty="0">
-                <a:solidFill>
-                  <a:schemeClr val="accent6">
-                    <a:lumMod val="75000"/>
-                  </a:schemeClr>
-                </a:solidFill>
-              </a:rPr>
-              <a:t>	</a:t>
-            </a:r>
-            <a:r>
-              <a:rPr lang="en-US" altLang="zh-CN" dirty="0" smtClean="0">
-                <a:solidFill>
-                  <a:schemeClr val="accent6">
-                    <a:lumMod val="75000"/>
-                  </a:schemeClr>
-                </a:solidFill>
-              </a:rPr>
-              <a:t>	</a:t>
-            </a:r>
-            <a:r>
-              <a:rPr lang="en-US" altLang="zh-CN" dirty="0" smtClean="0"/>
-              <a:t>done(umbilical</a:t>
-            </a:r>
-            <a:r>
-              <a:rPr lang="en-US" altLang="zh-CN" dirty="0"/>
-              <a:t>, reporter</a:t>
-            </a:r>
-            <a:r>
-              <a:rPr lang="en-US" altLang="zh-CN" dirty="0" smtClean="0"/>
-              <a:t>);</a:t>
-            </a:r>
-            <a:r>
-              <a:rPr lang="en-US" altLang="zh-CN" dirty="0" smtClean="0">
-                <a:solidFill>
-                  <a:schemeClr val="accent6">
-                    <a:lumMod val="75000"/>
-                  </a:schemeClr>
-                </a:solidFill>
-              </a:rPr>
-              <a:t>	//</a:t>
-            </a:r>
-            <a:r>
-              <a:rPr lang="zh-CN" altLang="en-US" dirty="0" smtClean="0">
-                <a:solidFill>
-                  <a:schemeClr val="accent6">
-                    <a:lumMod val="75000"/>
-                  </a:schemeClr>
-                </a:solidFill>
-              </a:rPr>
-              <a:t>执行结束发送</a:t>
-            </a:r>
-            <a:r>
-              <a:rPr lang="en-US" altLang="zh-CN" dirty="0" smtClean="0">
-                <a:solidFill>
-                  <a:schemeClr val="accent6">
-                    <a:lumMod val="75000"/>
-                  </a:schemeClr>
-                </a:solidFill>
-              </a:rPr>
-              <a:t>done  RPC</a:t>
-            </a:r>
-            <a:r>
-              <a:rPr lang="zh-CN" altLang="en-US" dirty="0" smtClean="0">
-                <a:solidFill>
-                  <a:schemeClr val="accent6">
-                    <a:lumMod val="75000"/>
-                  </a:schemeClr>
-                </a:solidFill>
-              </a:rPr>
-              <a:t>请求</a:t>
-            </a:r>
-            <a:endParaRPr lang="zh-CN" altLang="en-US" dirty="0">
-              <a:solidFill>
-                <a:schemeClr val="accent6">
-                  <a:lumMod val="75000"/>
-                </a:schemeClr>
-              </a:solidFill>
-            </a:endParaRPr>
+              <a:rPr lang="en-US" altLang="zh-CN" dirty="0" smtClean="0"/>
+              <a:t>	  //</a:t>
+            </a:r>
+            <a:r>
+              <a:rPr lang="zh-CN" altLang="en-US" dirty="0" smtClean="0"/>
+              <a:t>发送</a:t>
+            </a:r>
+            <a:r>
+              <a:rPr lang="en-US" altLang="zh-CN" dirty="0" smtClean="0"/>
+              <a:t>JOB_START</a:t>
+            </a:r>
+            <a:r>
+              <a:rPr lang="zh-CN" altLang="en-US" dirty="0" smtClean="0"/>
+              <a:t>事件</a:t>
+            </a:r>
+            <a:endParaRPr lang="zh-CN" altLang="en-US" dirty="0"/>
           </a:p>
         </p:txBody>
       </p:sp>
     </p:spTree>
     <p:extLst>
       <p:ext uri="{BB962C8B-B14F-4D97-AF65-F5344CB8AC3E}">
-        <p14:creationId xmlns:p14="http://schemas.microsoft.com/office/powerpoint/2010/main" val="1936125656"/>
+        <p14:creationId xmlns:p14="http://schemas.microsoft.com/office/powerpoint/2010/main" val="3484232274"/>
       </p:ext>
     </p:extLst>
   </p:cSld>
@@ -26636,6 +26175,718 @@
           <a:lstStyle/>
           <a:p>
             <a:r>
+              <a:rPr lang="en-US" altLang="zh-CN" dirty="0" err="1" smtClean="0"/>
+              <a:t>YarnChild</a:t>
+            </a:r>
+            <a:r>
+              <a:rPr lang="zh-CN" altLang="en-US" dirty="0" smtClean="0"/>
+              <a:t>启动</a:t>
+            </a:r>
+            <a:endParaRPr lang="zh-CN" altLang="en-US" dirty="0"/>
+          </a:p>
+        </p:txBody>
+      </p:sp>
+      <p:sp>
+        <p:nvSpPr>
+          <p:cNvPr id="3" name="内容占位符 2"/>
+          <p:cNvSpPr>
+            <a:spLocks noGrp="1"/>
+          </p:cNvSpPr>
+          <p:nvPr>
+            <p:ph idx="1"/>
+          </p:nvPr>
+        </p:nvSpPr>
+        <p:spPr>
+          <a:xfrm>
+            <a:off x="838200" y="1323833"/>
+            <a:ext cx="10515600" cy="4853130"/>
+          </a:xfrm>
+        </p:spPr>
+        <p:txBody>
+          <a:bodyPr>
+            <a:normAutofit fontScale="92500"/>
+          </a:bodyPr>
+          <a:lstStyle/>
+          <a:p>
+            <a:r>
+              <a:rPr lang="en-US" altLang="zh-CN" dirty="0" smtClean="0"/>
+              <a:t>Main() {</a:t>
+            </a:r>
+          </a:p>
+          <a:p>
+            <a:pPr marL="457200" lvl="1" indent="0">
+              <a:buNone/>
+            </a:pPr>
+            <a:r>
+              <a:rPr lang="en-US" altLang="zh-CN" dirty="0" err="1" smtClean="0"/>
+              <a:t>JVMId</a:t>
+            </a:r>
+            <a:r>
+              <a:rPr lang="en-US" altLang="zh-CN" dirty="0" smtClean="0"/>
+              <a:t> </a:t>
+            </a:r>
+            <a:r>
+              <a:rPr lang="en-US" altLang="zh-CN" dirty="0" err="1">
+                <a:solidFill>
+                  <a:srgbClr val="0070C0"/>
+                </a:solidFill>
+              </a:rPr>
+              <a:t>jvmId</a:t>
+            </a:r>
+            <a:r>
+              <a:rPr lang="en-US" altLang="zh-CN" dirty="0">
+                <a:solidFill>
+                  <a:srgbClr val="0070C0"/>
+                </a:solidFill>
+              </a:rPr>
+              <a:t> </a:t>
+            </a:r>
+            <a:r>
+              <a:rPr lang="en-US" altLang="zh-CN" dirty="0"/>
+              <a:t>= new </a:t>
+            </a:r>
+            <a:r>
+              <a:rPr lang="en-US" altLang="zh-CN" dirty="0" err="1"/>
+              <a:t>JVMId</a:t>
+            </a:r>
+            <a:r>
+              <a:rPr lang="en-US" altLang="zh-CN" dirty="0"/>
+              <a:t>(</a:t>
+            </a:r>
+            <a:r>
+              <a:rPr lang="en-US" altLang="zh-CN" dirty="0" err="1"/>
+              <a:t>firstTaskid.getJobID</a:t>
+            </a:r>
+            <a:r>
+              <a:rPr lang="en-US" altLang="zh-CN" dirty="0"/>
+              <a:t>(),</a:t>
+            </a:r>
+          </a:p>
+          <a:p>
+            <a:pPr marL="457200" lvl="1" indent="0">
+              <a:buNone/>
+            </a:pPr>
+            <a:r>
+              <a:rPr lang="en-US" altLang="zh-CN" dirty="0"/>
+              <a:t>        </a:t>
+            </a:r>
+            <a:r>
+              <a:rPr lang="en-US" altLang="zh-CN" dirty="0" err="1"/>
+              <a:t>firstTaskid.getTaskType</a:t>
+            </a:r>
+            <a:r>
+              <a:rPr lang="en-US" altLang="zh-CN" dirty="0"/>
+              <a:t>() == </a:t>
+            </a:r>
+            <a:r>
+              <a:rPr lang="en-US" altLang="zh-CN" dirty="0" err="1"/>
+              <a:t>TaskType.MAP</a:t>
+            </a:r>
+            <a:r>
+              <a:rPr lang="en-US" altLang="zh-CN" dirty="0"/>
+              <a:t>, </a:t>
+            </a:r>
+            <a:r>
+              <a:rPr lang="en-US" altLang="zh-CN" dirty="0" err="1"/>
+              <a:t>jvmIdInt</a:t>
+            </a:r>
+            <a:r>
+              <a:rPr lang="en-US" altLang="zh-CN" dirty="0"/>
+              <a:t>);</a:t>
+            </a:r>
+          </a:p>
+          <a:p>
+            <a:pPr marL="457200" lvl="1" indent="0">
+              <a:buNone/>
+            </a:pPr>
+            <a:r>
+              <a:rPr lang="en-US" altLang="zh-CN" dirty="0" err="1" smtClean="0">
+                <a:solidFill>
+                  <a:srgbClr val="0070C0"/>
+                </a:solidFill>
+              </a:rPr>
+              <a:t>TaskUmbilicalProtocol</a:t>
+            </a:r>
+            <a:r>
+              <a:rPr lang="en-US" altLang="zh-CN" dirty="0" smtClean="0">
+                <a:solidFill>
+                  <a:srgbClr val="0070C0"/>
+                </a:solidFill>
+              </a:rPr>
+              <a:t> umbilical </a:t>
+            </a:r>
+            <a:r>
+              <a:rPr lang="en-US" altLang="zh-CN" dirty="0" smtClean="0"/>
+              <a:t>=…;///</a:t>
+            </a:r>
+            <a:r>
+              <a:rPr lang="zh-CN" altLang="en-US" dirty="0"/>
+              <a:t>获取一个</a:t>
+            </a:r>
+            <a:r>
+              <a:rPr lang="en-US" altLang="zh-CN" dirty="0" err="1"/>
+              <a:t>TaskUmbilicalProtocol</a:t>
+            </a:r>
+            <a:r>
+              <a:rPr lang="zh-CN" altLang="en-US" dirty="0"/>
+              <a:t>协议</a:t>
+            </a:r>
+            <a:r>
+              <a:rPr lang="zh-CN" altLang="en-US" dirty="0" smtClean="0"/>
+              <a:t>代理</a:t>
+            </a:r>
+            <a:endParaRPr lang="en-US" altLang="zh-CN" dirty="0" smtClean="0"/>
+          </a:p>
+          <a:p>
+            <a:pPr marL="457200" lvl="1" indent="0">
+              <a:buNone/>
+            </a:pPr>
+            <a:r>
+              <a:rPr lang="en-US" altLang="zh-CN" dirty="0" err="1"/>
+              <a:t>JvmContext</a:t>
+            </a:r>
+            <a:r>
+              <a:rPr lang="en-US" altLang="zh-CN" dirty="0"/>
+              <a:t> context = new </a:t>
+            </a:r>
+            <a:r>
+              <a:rPr lang="en-US" altLang="zh-CN" dirty="0" err="1" smtClean="0"/>
+              <a:t>JvmContext</a:t>
+            </a:r>
+            <a:r>
+              <a:rPr lang="en-US" altLang="zh-CN" dirty="0" smtClean="0"/>
+              <a:t>(</a:t>
+            </a:r>
+            <a:r>
+              <a:rPr lang="en-US" altLang="zh-CN" dirty="0" err="1" smtClean="0"/>
+              <a:t>jvmId</a:t>
+            </a:r>
+            <a:r>
+              <a:rPr lang="en-US" altLang="zh-CN" dirty="0"/>
+              <a:t>, "-1000</a:t>
+            </a:r>
+            <a:r>
+              <a:rPr lang="en-US" altLang="zh-CN" dirty="0" smtClean="0"/>
+              <a:t>");</a:t>
+            </a:r>
+          </a:p>
+          <a:p>
+            <a:pPr marL="457200" lvl="1" indent="0">
+              <a:buNone/>
+            </a:pPr>
+            <a:r>
+              <a:rPr lang="en-US" altLang="zh-CN" dirty="0" err="1" smtClean="0">
+                <a:solidFill>
+                  <a:srgbClr val="FF0000"/>
+                </a:solidFill>
+              </a:rPr>
+              <a:t>JvmTask</a:t>
+            </a:r>
+            <a:r>
+              <a:rPr lang="en-US" altLang="zh-CN" dirty="0" smtClean="0">
+                <a:solidFill>
+                  <a:srgbClr val="FF0000"/>
+                </a:solidFill>
+              </a:rPr>
+              <a:t> </a:t>
+            </a:r>
+            <a:r>
+              <a:rPr lang="en-US" altLang="zh-CN" dirty="0" err="1" smtClean="0">
+                <a:solidFill>
+                  <a:srgbClr val="FF0000"/>
+                </a:solidFill>
+              </a:rPr>
+              <a:t>myTask</a:t>
+            </a:r>
+            <a:r>
+              <a:rPr lang="en-US" altLang="zh-CN" dirty="0" smtClean="0">
+                <a:solidFill>
+                  <a:srgbClr val="FF0000"/>
+                </a:solidFill>
+              </a:rPr>
+              <a:t> </a:t>
+            </a:r>
+            <a:r>
+              <a:rPr lang="en-US" altLang="zh-CN" dirty="0" smtClean="0">
+                <a:solidFill>
+                  <a:srgbClr val="0070C0"/>
+                </a:solidFill>
+              </a:rPr>
+              <a:t>= </a:t>
+            </a:r>
+            <a:r>
+              <a:rPr lang="en-US" altLang="zh-CN" dirty="0" err="1" smtClean="0">
+                <a:solidFill>
+                  <a:srgbClr val="0070C0"/>
+                </a:solidFill>
+              </a:rPr>
+              <a:t>umbilical.getTask</a:t>
+            </a:r>
+            <a:r>
+              <a:rPr lang="en-US" altLang="zh-CN" dirty="0" smtClean="0">
+                <a:solidFill>
+                  <a:srgbClr val="0070C0"/>
+                </a:solidFill>
+              </a:rPr>
+              <a:t>(context)</a:t>
+            </a:r>
+            <a:r>
+              <a:rPr lang="en-US" altLang="zh-CN" dirty="0" smtClean="0">
+                <a:solidFill>
+                  <a:schemeClr val="accent6">
+                    <a:lumMod val="75000"/>
+                  </a:schemeClr>
+                </a:solidFill>
+              </a:rPr>
+              <a:t>;//RPC</a:t>
+            </a:r>
+            <a:r>
+              <a:rPr lang="zh-CN" altLang="en-US" dirty="0" smtClean="0">
+                <a:solidFill>
+                  <a:schemeClr val="accent6">
+                    <a:lumMod val="75000"/>
+                  </a:schemeClr>
+                </a:solidFill>
+              </a:rPr>
+              <a:t>获取</a:t>
+            </a:r>
+            <a:r>
+              <a:rPr lang="en-US" altLang="zh-CN" dirty="0" err="1" smtClean="0">
+                <a:solidFill>
+                  <a:schemeClr val="accent6">
+                    <a:lumMod val="75000"/>
+                  </a:schemeClr>
+                </a:solidFill>
+              </a:rPr>
+              <a:t>Jvm</a:t>
+            </a:r>
+            <a:r>
+              <a:rPr lang="zh-CN" altLang="en-US" dirty="0" smtClean="0">
+                <a:solidFill>
+                  <a:schemeClr val="accent6">
+                    <a:lumMod val="75000"/>
+                  </a:schemeClr>
+                </a:solidFill>
+              </a:rPr>
+              <a:t>任务，封装了</a:t>
+            </a:r>
+            <a:r>
+              <a:rPr lang="en-US" altLang="zh-CN" dirty="0" smtClean="0">
+                <a:solidFill>
+                  <a:schemeClr val="accent6">
+                    <a:lumMod val="75000"/>
+                  </a:schemeClr>
+                </a:solidFill>
+              </a:rPr>
+              <a:t>Task</a:t>
+            </a:r>
+            <a:r>
+              <a:rPr lang="zh-CN" altLang="en-US" dirty="0" smtClean="0">
+                <a:solidFill>
+                  <a:schemeClr val="accent6">
+                    <a:lumMod val="75000"/>
+                  </a:schemeClr>
+                </a:solidFill>
+              </a:rPr>
+              <a:t>任务</a:t>
+            </a:r>
+            <a:endParaRPr lang="en-US" altLang="zh-CN" dirty="0" smtClean="0">
+              <a:solidFill>
+                <a:schemeClr val="accent6">
+                  <a:lumMod val="75000"/>
+                </a:schemeClr>
+              </a:solidFill>
+            </a:endParaRPr>
+          </a:p>
+          <a:p>
+            <a:pPr marL="457200" lvl="1" indent="0">
+              <a:buNone/>
+            </a:pPr>
+            <a:r>
+              <a:rPr lang="en-US" altLang="zh-CN" dirty="0" smtClean="0">
+                <a:solidFill>
+                  <a:srgbClr val="FF0000"/>
+                </a:solidFill>
+              </a:rPr>
+              <a:t>Task </a:t>
+            </a:r>
+            <a:r>
+              <a:rPr lang="en-US" altLang="zh-CN" dirty="0" err="1">
+                <a:solidFill>
+                  <a:srgbClr val="FF0000"/>
+                </a:solidFill>
+              </a:rPr>
+              <a:t>task</a:t>
+            </a:r>
+            <a:r>
+              <a:rPr lang="en-US" altLang="zh-CN" dirty="0">
+                <a:solidFill>
+                  <a:srgbClr val="FF0000"/>
+                </a:solidFill>
+              </a:rPr>
+              <a:t> </a:t>
+            </a:r>
+            <a:r>
+              <a:rPr lang="en-US" altLang="zh-CN" dirty="0"/>
+              <a:t>= </a:t>
+            </a:r>
+            <a:r>
+              <a:rPr lang="en-US" altLang="zh-CN" dirty="0" err="1"/>
+              <a:t>myTask.getTask</a:t>
+            </a:r>
+            <a:r>
+              <a:rPr lang="en-US" altLang="zh-CN" dirty="0" smtClean="0"/>
+              <a:t>();	</a:t>
+            </a:r>
+            <a:r>
+              <a:rPr lang="en-US" altLang="zh-CN" dirty="0" smtClean="0">
+                <a:solidFill>
+                  <a:schemeClr val="accent6">
+                    <a:lumMod val="75000"/>
+                  </a:schemeClr>
+                </a:solidFill>
+              </a:rPr>
+              <a:t>//</a:t>
+            </a:r>
+            <a:r>
+              <a:rPr lang="en-US" altLang="zh-CN" dirty="0" err="1" smtClean="0">
+                <a:solidFill>
+                  <a:schemeClr val="accent6">
+                    <a:lumMod val="75000"/>
+                  </a:schemeClr>
+                </a:solidFill>
+              </a:rPr>
+              <a:t>MapTask</a:t>
+            </a:r>
+            <a:r>
+              <a:rPr lang="en-US" altLang="zh-CN" dirty="0" smtClean="0">
+                <a:solidFill>
+                  <a:schemeClr val="accent6">
+                    <a:lumMod val="75000"/>
+                  </a:schemeClr>
+                </a:solidFill>
+              </a:rPr>
+              <a:t> </a:t>
+            </a:r>
+            <a:r>
+              <a:rPr lang="zh-CN" altLang="en-US" dirty="0" smtClean="0">
+                <a:solidFill>
+                  <a:schemeClr val="accent6">
+                    <a:lumMod val="75000"/>
+                  </a:schemeClr>
+                </a:solidFill>
+              </a:rPr>
+              <a:t>或 </a:t>
+            </a:r>
+            <a:r>
+              <a:rPr lang="en-US" altLang="zh-CN" dirty="0" err="1" smtClean="0">
+                <a:solidFill>
+                  <a:schemeClr val="accent6">
+                    <a:lumMod val="75000"/>
+                  </a:schemeClr>
+                </a:solidFill>
+              </a:rPr>
+              <a:t>ReduceTask</a:t>
+            </a:r>
+            <a:endParaRPr lang="en-US" altLang="zh-CN" dirty="0" smtClean="0">
+              <a:solidFill>
+                <a:schemeClr val="accent6">
+                  <a:lumMod val="75000"/>
+                </a:schemeClr>
+              </a:solidFill>
+            </a:endParaRPr>
+          </a:p>
+          <a:p>
+            <a:pPr marL="457200" lvl="1" indent="0">
+              <a:buNone/>
+            </a:pPr>
+            <a:r>
+              <a:rPr lang="en-US" altLang="zh-CN" dirty="0" err="1" smtClean="0"/>
+              <a:t>YarnChild.taskid</a:t>
+            </a:r>
+            <a:r>
+              <a:rPr lang="en-US" altLang="zh-CN" dirty="0" smtClean="0"/>
+              <a:t> = </a:t>
+            </a:r>
+            <a:r>
+              <a:rPr lang="en-US" altLang="zh-CN" dirty="0" err="1" smtClean="0"/>
+              <a:t>task.getTaskID</a:t>
+            </a:r>
+            <a:r>
+              <a:rPr lang="en-US" altLang="zh-CN" dirty="0" smtClean="0"/>
+              <a:t>();</a:t>
+            </a:r>
+          </a:p>
+          <a:p>
+            <a:pPr marL="457200" lvl="1" indent="0">
+              <a:buNone/>
+            </a:pPr>
+            <a:r>
+              <a:rPr lang="en-US" altLang="zh-CN" i="1" dirty="0" err="1" smtClean="0"/>
+              <a:t>configureTask</a:t>
+            </a:r>
+            <a:r>
+              <a:rPr lang="en-US" altLang="zh-CN" i="1" dirty="0" smtClean="0"/>
+              <a:t>(job</a:t>
+            </a:r>
+            <a:r>
+              <a:rPr lang="en-US" altLang="zh-CN" i="1" dirty="0"/>
+              <a:t>, task, credentials, </a:t>
+            </a:r>
+            <a:r>
+              <a:rPr lang="en-US" altLang="zh-CN" i="1" dirty="0" err="1"/>
+              <a:t>jt</a:t>
+            </a:r>
+            <a:r>
+              <a:rPr lang="en-US" altLang="zh-CN" i="1" dirty="0" smtClean="0"/>
+              <a:t>);</a:t>
+            </a:r>
+          </a:p>
+          <a:p>
+            <a:pPr marL="457200" lvl="1" indent="0">
+              <a:buNone/>
+            </a:pPr>
+            <a:r>
+              <a:rPr lang="en-US" altLang="zh-CN" dirty="0"/>
+              <a:t>Task </a:t>
+            </a:r>
+            <a:r>
+              <a:rPr lang="en-US" altLang="zh-CN" dirty="0" err="1"/>
+              <a:t>taskFinal</a:t>
+            </a:r>
+            <a:r>
+              <a:rPr lang="en-US" altLang="zh-CN" dirty="0"/>
+              <a:t> = task</a:t>
+            </a:r>
+            <a:r>
+              <a:rPr lang="en-US" altLang="zh-CN" dirty="0" smtClean="0"/>
+              <a:t>;</a:t>
+            </a:r>
+          </a:p>
+          <a:p>
+            <a:pPr marL="457200" lvl="1" indent="0">
+              <a:buNone/>
+            </a:pPr>
+            <a:r>
+              <a:rPr lang="en-US" altLang="zh-CN" dirty="0" smtClean="0"/>
+              <a:t>	</a:t>
+            </a:r>
+            <a:r>
+              <a:rPr lang="en-US" altLang="zh-CN" dirty="0" err="1" smtClean="0">
+                <a:solidFill>
+                  <a:srgbClr val="0070C0"/>
+                </a:solidFill>
+              </a:rPr>
+              <a:t>taskFinal.run</a:t>
+            </a:r>
+            <a:r>
+              <a:rPr lang="en-US" altLang="zh-CN" dirty="0" smtClean="0">
+                <a:solidFill>
+                  <a:srgbClr val="0070C0"/>
+                </a:solidFill>
+              </a:rPr>
+              <a:t>(job</a:t>
+            </a:r>
+            <a:r>
+              <a:rPr lang="en-US" altLang="zh-CN" dirty="0">
+                <a:solidFill>
+                  <a:srgbClr val="0070C0"/>
+                </a:solidFill>
+              </a:rPr>
+              <a:t>, umbilical); </a:t>
+            </a:r>
+            <a:r>
+              <a:rPr lang="en-US" altLang="zh-CN" dirty="0">
+                <a:solidFill>
+                  <a:schemeClr val="accent6">
+                    <a:lumMod val="75000"/>
+                  </a:schemeClr>
+                </a:solidFill>
+              </a:rPr>
+              <a:t>// run the task </a:t>
+            </a:r>
+            <a:r>
+              <a:rPr lang="zh-CN" altLang="en-US" dirty="0" smtClean="0">
+                <a:solidFill>
+                  <a:schemeClr val="accent6">
+                    <a:lumMod val="75000"/>
+                  </a:schemeClr>
+                </a:solidFill>
+              </a:rPr>
+              <a:t>异步执行任务</a:t>
+            </a:r>
+            <a:endParaRPr lang="en-US" altLang="zh-CN" dirty="0" smtClean="0">
+              <a:solidFill>
+                <a:schemeClr val="accent6">
+                  <a:lumMod val="75000"/>
+                </a:schemeClr>
+              </a:solidFill>
+            </a:endParaRPr>
+          </a:p>
+          <a:p>
+            <a:pPr marL="457200" lvl="1" indent="0">
+              <a:buNone/>
+            </a:pPr>
+            <a:r>
+              <a:rPr lang="en-US" altLang="zh-CN" dirty="0">
+                <a:solidFill>
+                  <a:schemeClr val="accent6">
+                    <a:lumMod val="75000"/>
+                  </a:schemeClr>
+                </a:solidFill>
+              </a:rPr>
+              <a:t>	</a:t>
+            </a:r>
+            <a:r>
+              <a:rPr lang="en-US" altLang="zh-CN" dirty="0" smtClean="0">
+                <a:solidFill>
+                  <a:schemeClr val="accent6">
+                    <a:lumMod val="75000"/>
+                  </a:schemeClr>
+                </a:solidFill>
+              </a:rPr>
+              <a:t>	……</a:t>
+            </a:r>
+          </a:p>
+          <a:p>
+            <a:pPr marL="457200" lvl="1" indent="0">
+              <a:buNone/>
+            </a:pPr>
+            <a:r>
+              <a:rPr lang="en-US" altLang="zh-CN" dirty="0">
+                <a:solidFill>
+                  <a:schemeClr val="accent6">
+                    <a:lumMod val="75000"/>
+                  </a:schemeClr>
+                </a:solidFill>
+              </a:rPr>
+              <a:t>	</a:t>
+            </a:r>
+            <a:r>
+              <a:rPr lang="en-US" altLang="zh-CN" dirty="0" smtClean="0">
+                <a:solidFill>
+                  <a:schemeClr val="accent6">
+                    <a:lumMod val="75000"/>
+                  </a:schemeClr>
+                </a:solidFill>
+              </a:rPr>
+              <a:t>	</a:t>
+            </a:r>
+            <a:r>
+              <a:rPr lang="en-US" altLang="zh-CN" dirty="0" smtClean="0"/>
+              <a:t>done(umbilical</a:t>
+            </a:r>
+            <a:r>
+              <a:rPr lang="en-US" altLang="zh-CN" dirty="0"/>
+              <a:t>, reporter</a:t>
+            </a:r>
+            <a:r>
+              <a:rPr lang="en-US" altLang="zh-CN" dirty="0" smtClean="0"/>
+              <a:t>);</a:t>
+            </a:r>
+            <a:r>
+              <a:rPr lang="en-US" altLang="zh-CN" dirty="0" smtClean="0">
+                <a:solidFill>
+                  <a:schemeClr val="accent6">
+                    <a:lumMod val="75000"/>
+                  </a:schemeClr>
+                </a:solidFill>
+              </a:rPr>
+              <a:t>	//</a:t>
+            </a:r>
+            <a:r>
+              <a:rPr lang="zh-CN" altLang="en-US" dirty="0" smtClean="0">
+                <a:solidFill>
+                  <a:schemeClr val="accent6">
+                    <a:lumMod val="75000"/>
+                  </a:schemeClr>
+                </a:solidFill>
+              </a:rPr>
+              <a:t>执行结束发送</a:t>
+            </a:r>
+            <a:r>
+              <a:rPr lang="en-US" altLang="zh-CN" dirty="0" smtClean="0">
+                <a:solidFill>
+                  <a:schemeClr val="accent6">
+                    <a:lumMod val="75000"/>
+                  </a:schemeClr>
+                </a:solidFill>
+              </a:rPr>
+              <a:t>done  RPC</a:t>
+            </a:r>
+            <a:r>
+              <a:rPr lang="zh-CN" altLang="en-US" dirty="0" smtClean="0">
+                <a:solidFill>
+                  <a:schemeClr val="accent6">
+                    <a:lumMod val="75000"/>
+                  </a:schemeClr>
+                </a:solidFill>
+              </a:rPr>
+              <a:t>请求</a:t>
+            </a:r>
+            <a:endParaRPr lang="zh-CN" altLang="en-US" dirty="0">
+              <a:solidFill>
+                <a:schemeClr val="accent6">
+                  <a:lumMod val="75000"/>
+                </a:schemeClr>
+              </a:solidFill>
+            </a:endParaRPr>
+          </a:p>
+        </p:txBody>
+      </p:sp>
+    </p:spTree>
+    <p:extLst>
+      <p:ext uri="{BB962C8B-B14F-4D97-AF65-F5344CB8AC3E}">
+        <p14:creationId xmlns:p14="http://schemas.microsoft.com/office/powerpoint/2010/main" val="1936125656"/>
+      </p:ext>
+    </p:extLst>
+  </p:cSld>
+  <p:clrMapOvr>
+    <a:masterClrMapping/>
+  </p:clrMapOvr>
+  <p:timing>
+    <p:tnLst>
+      <p:par>
+        <p:cTn id="1" dur="indefinite" restart="never" nodeType="tmRoot"/>
+      </p:par>
+    </p:tnLst>
+  </p:timing>
+</p:sld>
+</file>
+
+<file path=ppt/slides/slide61.xml><?xml version="1.0" encoding="utf-8"?>
+<p:sld xmlns:a="http://schemas.openxmlformats.org/drawingml/2006/main" xmlns:r="http://schemas.openxmlformats.org/officeDocument/2006/relationships" xmlns:p="http://schemas.openxmlformats.org/presentationml/2006/main">
+  <p:cSld>
+    <p:spTree>
+      <p:nvGrpSpPr>
+        <p:cNvPr id="1" name=""/>
+        <p:cNvGrpSpPr/>
+        <p:nvPr/>
+      </p:nvGrpSpPr>
+      <p:grpSpPr>
+        <a:xfrm>
+          <a:off x="0" y="0"/>
+          <a:ext cx="0" cy="0"/>
+          <a:chOff x="0" y="0"/>
+          <a:chExt cx="0" cy="0"/>
+        </a:xfrm>
+      </p:grpSpPr>
+      <p:sp>
+        <p:nvSpPr>
+          <p:cNvPr id="2" name="标题 1"/>
+          <p:cNvSpPr>
+            <a:spLocks noGrp="1"/>
+          </p:cNvSpPr>
+          <p:nvPr>
+            <p:ph type="title"/>
+          </p:nvPr>
+        </p:nvSpPr>
+        <p:spPr/>
+        <p:txBody>
+          <a:bodyPr/>
+          <a:lstStyle/>
+          <a:p>
+            <a:r>
               <a:rPr lang="en-US" altLang="zh-CN" dirty="0"/>
               <a:t>Yarn</a:t>
             </a:r>
@@ -26687,7 +26938,7 @@
 </p:sld>
 </file>
 
-<file path=ppt/slides/slide61.xml><?xml version="1.0" encoding="utf-8"?>
+<file path=ppt/slides/slide62.xml><?xml version="1.0" encoding="utf-8"?>
 <p:sld xmlns:a="http://schemas.openxmlformats.org/drawingml/2006/main" xmlns:r="http://schemas.openxmlformats.org/officeDocument/2006/relationships" xmlns:p="http://schemas.openxmlformats.org/presentationml/2006/main">
   <p:cSld>
     <p:spTree>
@@ -26866,7 +27117,7 @@
 </p:sld>
 </file>
 
-<file path=ppt/slides/slide62.xml><?xml version="1.0" encoding="utf-8"?>
+<file path=ppt/slides/slide63.xml><?xml version="1.0" encoding="utf-8"?>
 <p:sld xmlns:a="http://schemas.openxmlformats.org/drawingml/2006/main" xmlns:r="http://schemas.openxmlformats.org/officeDocument/2006/relationships" xmlns:p="http://schemas.openxmlformats.org/presentationml/2006/main">
   <p:cSld>
     <p:spTree>
@@ -27500,7 +27751,7 @@
 </p:sld>
 </file>
 
-<file path=ppt/slides/slide63.xml><?xml version="1.0" encoding="utf-8"?>
+<file path=ppt/slides/slide64.xml><?xml version="1.0" encoding="utf-8"?>
 <p:sld xmlns:a="http://schemas.openxmlformats.org/drawingml/2006/main" xmlns:r="http://schemas.openxmlformats.org/officeDocument/2006/relationships" xmlns:p="http://schemas.openxmlformats.org/presentationml/2006/main">
   <p:cSld>
     <p:spTree>
@@ -27576,7 +27827,7 @@
 </p:sld>
 </file>
 
-<file path=ppt/slides/slide64.xml><?xml version="1.0" encoding="utf-8"?>
+<file path=ppt/slides/slide65.xml><?xml version="1.0" encoding="utf-8"?>
 <p:sld xmlns:a="http://schemas.openxmlformats.org/drawingml/2006/main" xmlns:r="http://schemas.openxmlformats.org/officeDocument/2006/relationships" xmlns:p="http://schemas.openxmlformats.org/presentationml/2006/main">
   <p:cSld>
     <p:spTree>

--- a/ppt/Hadoop_2.4.1_YARN_source_code_read.pptx
+++ b/ppt/Hadoop_2.4.1_YARN_source_code_read.pptx
@@ -5,7 +5,7 @@
     <p:sldMasterId id="2147483648" r:id="rId1"/>
   </p:sldMasterIdLst>
   <p:notesMasterIdLst>
-    <p:notesMasterId r:id="rId67"/>
+    <p:notesMasterId r:id="rId65"/>
   </p:notesMasterIdLst>
   <p:sldIdLst>
     <p:sldId id="329" r:id="rId2"/>
@@ -71,8 +71,6 @@
     <p:sldId id="334" r:id="rId62"/>
     <p:sldId id="309" r:id="rId63"/>
     <p:sldId id="310" r:id="rId64"/>
-    <p:sldId id="335" r:id="rId65"/>
-    <p:sldId id="294" r:id="rId66"/>
   </p:sldIdLst>
   <p:sldSz cx="12192000" cy="6858000"/>
   <p:notesSz cx="6858000" cy="9144000"/>
@@ -9973,20 +9971,35 @@
           <a:p>
             <a:r>
               <a:rPr lang="en-US" altLang="zh-CN" dirty="0" smtClean="0"/>
-              <a:t> RM</a:t>
-            </a:r>
-          </a:p>
-          <a:p>
-            <a:r>
-              <a:rPr lang="en-US" altLang="zh-CN" dirty="0" smtClean="0"/>
-              <a:t> NM</a:t>
-            </a:r>
-          </a:p>
-          <a:p>
-            <a:r>
-              <a:rPr lang="en-US" altLang="zh-CN" dirty="0" smtClean="0"/>
-              <a:t> AM</a:t>
-            </a:r>
+              <a:t> </a:t>
+            </a:r>
+            <a:r>
+              <a:rPr lang="en-US" altLang="zh-CN" dirty="0" err="1" smtClean="0"/>
+              <a:t>ResourceManager</a:t>
+            </a:r>
+            <a:endParaRPr lang="en-US" altLang="zh-CN" dirty="0" smtClean="0"/>
+          </a:p>
+          <a:p>
+            <a:r>
+              <a:rPr lang="en-US" altLang="zh-CN" dirty="0" smtClean="0"/>
+              <a:t> </a:t>
+            </a:r>
+            <a:r>
+              <a:rPr lang="en-US" altLang="zh-CN" dirty="0" err="1" smtClean="0"/>
+              <a:t>NodeManager</a:t>
+            </a:r>
+            <a:endParaRPr lang="en-US" altLang="zh-CN" dirty="0" smtClean="0"/>
+          </a:p>
+          <a:p>
+            <a:r>
+              <a:rPr lang="en-US" altLang="zh-CN" dirty="0" smtClean="0"/>
+              <a:t> </a:t>
+            </a:r>
+            <a:r>
+              <a:rPr lang="en-US" altLang="zh-CN" dirty="0" err="1" smtClean="0"/>
+              <a:t>ApplicationManager</a:t>
+            </a:r>
+            <a:endParaRPr lang="en-US" altLang="zh-CN" dirty="0" smtClean="0"/>
           </a:p>
           <a:p>
             <a:r>
@@ -16060,8 +16073,36 @@
             </a:r>
             <a:r>
               <a:rPr lang="zh-CN" altLang="en-US" dirty="0"/>
-              <a:t>视角）</a:t>
-            </a:r>
+              <a:t>视角</a:t>
+            </a:r>
+            <a:r>
+              <a:rPr lang="zh-CN" altLang="en-US" dirty="0" smtClean="0"/>
+              <a:t>）</a:t>
+            </a:r>
+            <a:endParaRPr lang="en-US" altLang="zh-CN" dirty="0" smtClean="0"/>
+          </a:p>
+          <a:p>
+            <a:r>
+              <a:rPr lang="zh-CN" altLang="en-US" dirty="0" smtClean="0"/>
+              <a:t>（</a:t>
+            </a:r>
+            <a:r>
+              <a:rPr lang="en-US" altLang="zh-CN" dirty="0" smtClean="0"/>
+              <a:t>4</a:t>
+            </a:r>
+            <a:r>
+              <a:rPr lang="zh-CN" altLang="en-US" dirty="0" smtClean="0"/>
+              <a:t>）</a:t>
+            </a:r>
+            <a:r>
+              <a:rPr lang="en-US" altLang="zh-CN" dirty="0" err="1" smtClean="0"/>
+              <a:t>RMStateStore</a:t>
+            </a:r>
+            <a:r>
+              <a:rPr lang="zh-CN" altLang="en-US" dirty="0" smtClean="0"/>
+              <a:t>保存状态</a:t>
+            </a:r>
+            <a:endParaRPr lang="zh-CN" altLang="en-US" dirty="0"/>
           </a:p>
         </p:txBody>
       </p:sp>
@@ -19389,7 +19430,7 @@
               <a:t>RM</a:t>
             </a:r>
             <a:r>
-              <a:rPr lang="zh-CN" altLang="en-US" smtClean="0"/>
+              <a:rPr lang="zh-CN" altLang="en-US" dirty="0" smtClean="0"/>
               <a:t>里的调度器一些</a:t>
             </a:r>
             <a:r>
@@ -27735,165 +27776,6 @@
     <p:extLst>
       <p:ext uri="{BB962C8B-B14F-4D97-AF65-F5344CB8AC3E}">
         <p14:creationId xmlns:p14="http://schemas.microsoft.com/office/powerpoint/2010/main" val="1979780831"/>
-      </p:ext>
-    </p:extLst>
-  </p:cSld>
-  <p:clrMapOvr>
-    <a:masterClrMapping/>
-  </p:clrMapOvr>
-  <p:timing>
-    <p:tnLst>
-      <p:par>
-        <p:cTn id="1" dur="indefinite" restart="never" nodeType="tmRoot"/>
-      </p:par>
-    </p:tnLst>
-  </p:timing>
-</p:sld>
-</file>
-
-<file path=ppt/slides/slide64.xml><?xml version="1.0" encoding="utf-8"?>
-<p:sld xmlns:a="http://schemas.openxmlformats.org/drawingml/2006/main" xmlns:r="http://schemas.openxmlformats.org/officeDocument/2006/relationships" xmlns:p="http://schemas.openxmlformats.org/presentationml/2006/main">
-  <p:cSld>
-    <p:spTree>
-      <p:nvGrpSpPr>
-        <p:cNvPr id="1" name=""/>
-        <p:cNvGrpSpPr/>
-        <p:nvPr/>
-      </p:nvGrpSpPr>
-      <p:grpSpPr>
-        <a:xfrm>
-          <a:off x="0" y="0"/>
-          <a:ext cx="0" cy="0"/>
-          <a:chOff x="0" y="0"/>
-          <a:chExt cx="0" cy="0"/>
-        </a:xfrm>
-      </p:grpSpPr>
-      <p:sp>
-        <p:nvSpPr>
-          <p:cNvPr id="2" name="标题 1"/>
-          <p:cNvSpPr>
-            <a:spLocks noGrp="1"/>
-          </p:cNvSpPr>
-          <p:nvPr>
-            <p:ph type="title"/>
-          </p:nvPr>
-        </p:nvSpPr>
-        <p:spPr/>
-        <p:txBody>
-          <a:bodyPr/>
-          <a:lstStyle/>
-          <a:p>
-            <a:r>
-              <a:rPr lang="zh-CN" altLang="en-US" dirty="0" smtClean="0"/>
-              <a:t>容错机制</a:t>
-            </a:r>
-            <a:endParaRPr lang="zh-CN" altLang="en-US" dirty="0"/>
-          </a:p>
-        </p:txBody>
-      </p:sp>
-      <p:sp>
-        <p:nvSpPr>
-          <p:cNvPr id="3" name="文本占位符 2"/>
-          <p:cNvSpPr>
-            <a:spLocks noGrp="1"/>
-          </p:cNvSpPr>
-          <p:nvPr>
-            <p:ph type="body" idx="1"/>
-          </p:nvPr>
-        </p:nvSpPr>
-        <p:spPr/>
-        <p:txBody>
-          <a:bodyPr/>
-          <a:lstStyle/>
-          <a:p>
-            <a:r>
-              <a:rPr lang="en-US" altLang="zh-CN" dirty="0" err="1" smtClean="0"/>
-              <a:t>loull</a:t>
-            </a:r>
-            <a:endParaRPr lang="zh-CN" altLang="en-US" dirty="0"/>
-          </a:p>
-        </p:txBody>
-      </p:sp>
-    </p:spTree>
-    <p:extLst>
-      <p:ext uri="{BB962C8B-B14F-4D97-AF65-F5344CB8AC3E}">
-        <p14:creationId xmlns:p14="http://schemas.microsoft.com/office/powerpoint/2010/main" val="745629324"/>
-      </p:ext>
-    </p:extLst>
-  </p:cSld>
-  <p:clrMapOvr>
-    <a:masterClrMapping/>
-  </p:clrMapOvr>
-</p:sld>
-</file>
-
-<file path=ppt/slides/slide65.xml><?xml version="1.0" encoding="utf-8"?>
-<p:sld xmlns:a="http://schemas.openxmlformats.org/drawingml/2006/main" xmlns:r="http://schemas.openxmlformats.org/officeDocument/2006/relationships" xmlns:p="http://schemas.openxmlformats.org/presentationml/2006/main">
-  <p:cSld>
-    <p:spTree>
-      <p:nvGrpSpPr>
-        <p:cNvPr id="1" name=""/>
-        <p:cNvGrpSpPr/>
-        <p:nvPr/>
-      </p:nvGrpSpPr>
-      <p:grpSpPr>
-        <a:xfrm>
-          <a:off x="0" y="0"/>
-          <a:ext cx="0" cy="0"/>
-          <a:chOff x="0" y="0"/>
-          <a:chExt cx="0" cy="0"/>
-        </a:xfrm>
-      </p:grpSpPr>
-      <p:sp>
-        <p:nvSpPr>
-          <p:cNvPr id="2" name="标题 1"/>
-          <p:cNvSpPr>
-            <a:spLocks noGrp="1"/>
-          </p:cNvSpPr>
-          <p:nvPr>
-            <p:ph type="title"/>
-          </p:nvPr>
-        </p:nvSpPr>
-        <p:spPr/>
-        <p:txBody>
-          <a:bodyPr/>
-          <a:lstStyle/>
-          <a:p>
-            <a:r>
-              <a:rPr lang="en-US" altLang="zh-CN" dirty="0" smtClean="0"/>
-              <a:t>HA</a:t>
-            </a:r>
-            <a:r>
-              <a:rPr lang="zh-CN" altLang="en-US" dirty="0" smtClean="0"/>
-              <a:t>高可用</a:t>
-            </a:r>
-            <a:endParaRPr lang="zh-CN" altLang="en-US" dirty="0"/>
-          </a:p>
-        </p:txBody>
-      </p:sp>
-      <p:sp>
-        <p:nvSpPr>
-          <p:cNvPr id="3" name="内容占位符 2"/>
-          <p:cNvSpPr>
-            <a:spLocks noGrp="1"/>
-          </p:cNvSpPr>
-          <p:nvPr>
-            <p:ph idx="1"/>
-          </p:nvPr>
-        </p:nvSpPr>
-        <p:spPr/>
-        <p:txBody>
-          <a:bodyPr/>
-          <a:lstStyle/>
-          <a:p>
-            <a:endParaRPr lang="zh-CN" altLang="en-US"/>
-          </a:p>
-        </p:txBody>
-      </p:sp>
-    </p:spTree>
-    <p:extLst>
-      <p:ext uri="{BB962C8B-B14F-4D97-AF65-F5344CB8AC3E}">
-        <p14:creationId xmlns:p14="http://schemas.microsoft.com/office/powerpoint/2010/main" val="3052858118"/>
       </p:ext>
     </p:extLst>
   </p:cSld>
